--- a/comparatif_méthodes.pptx
+++ b/comparatif_méthodes.pptx
@@ -7,6 +7,7 @@
   <p:sldIdLst>
     <p:sldId id="256" r:id="rId2"/>
     <p:sldId id="257" r:id="rId3"/>
+    <p:sldId id="258" r:id="rId4"/>
   </p:sldIdLst>
   <p:sldSz cx="12192000" cy="6858000"/>
   <p:notesSz cx="6858000" cy="9144000"/>
@@ -387,7 +388,7 @@
           <a:p>
             <a:fld id="{EC383E9D-F618-274F-801B-B69F97934BDC}" type="datetimeFigureOut">
               <a:rPr lang="fr-FR" smtClean="0"/>
-              <a:t>20/07/2022</a:t>
+              <a:t>25/07/2022</a:t>
             </a:fld>
             <a:endParaRPr lang="fr-FR"/>
           </a:p>
@@ -801,7 +802,7 @@
           <a:p>
             <a:fld id="{EC383E9D-F618-274F-801B-B69F97934BDC}" type="datetimeFigureOut">
               <a:rPr lang="fr-FR" smtClean="0"/>
-              <a:t>20/07/2022</a:t>
+              <a:t>25/07/2022</a:t>
             </a:fld>
             <a:endParaRPr lang="fr-FR"/>
           </a:p>
@@ -1137,7 +1138,7 @@
           <a:p>
             <a:fld id="{EC383E9D-F618-274F-801B-B69F97934BDC}" type="datetimeFigureOut">
               <a:rPr lang="fr-FR" smtClean="0"/>
-              <a:t>20/07/2022</a:t>
+              <a:t>25/07/2022</a:t>
             </a:fld>
             <a:endParaRPr lang="fr-FR"/>
           </a:p>
@@ -1542,7 +1543,7 @@
           <a:p>
             <a:fld id="{EC383E9D-F618-274F-801B-B69F97934BDC}" type="datetimeFigureOut">
               <a:rPr lang="fr-FR" smtClean="0"/>
-              <a:t>20/07/2022</a:t>
+              <a:t>25/07/2022</a:t>
             </a:fld>
             <a:endParaRPr lang="fr-FR"/>
           </a:p>
@@ -2110,7 +2111,7 @@
           <a:p>
             <a:fld id="{EC383E9D-F618-274F-801B-B69F97934BDC}" type="datetimeFigureOut">
               <a:rPr lang="fr-FR" smtClean="0"/>
-              <a:t>20/07/2022</a:t>
+              <a:t>25/07/2022</a:t>
             </a:fld>
             <a:endParaRPr lang="fr-FR"/>
           </a:p>
@@ -2791,7 +2792,7 @@
           <a:p>
             <a:fld id="{EC383E9D-F618-274F-801B-B69F97934BDC}" type="datetimeFigureOut">
               <a:rPr lang="fr-FR" smtClean="0"/>
-              <a:t>20/07/2022</a:t>
+              <a:t>25/07/2022</a:t>
             </a:fld>
             <a:endParaRPr lang="fr-FR"/>
           </a:p>
@@ -3704,7 +3705,7 @@
           <a:p>
             <a:fld id="{EC383E9D-F618-274F-801B-B69F97934BDC}" type="datetimeFigureOut">
               <a:rPr lang="fr-FR" smtClean="0"/>
-              <a:t>20/07/2022</a:t>
+              <a:t>25/07/2022</a:t>
             </a:fld>
             <a:endParaRPr lang="fr-FR"/>
           </a:p>
@@ -4017,7 +4018,7 @@
           <a:p>
             <a:fld id="{EC383E9D-F618-274F-801B-B69F97934BDC}" type="datetimeFigureOut">
               <a:rPr lang="fr-FR" smtClean="0"/>
-              <a:t>20/07/2022</a:t>
+              <a:t>25/07/2022</a:t>
             </a:fld>
             <a:endParaRPr lang="fr-FR"/>
           </a:p>
@@ -4281,7 +4282,7 @@
           <a:p>
             <a:fld id="{EC383E9D-F618-274F-801B-B69F97934BDC}" type="datetimeFigureOut">
               <a:rPr lang="fr-FR" smtClean="0"/>
-              <a:t>20/07/2022</a:t>
+              <a:t>25/07/2022</a:t>
             </a:fld>
             <a:endParaRPr lang="fr-FR"/>
           </a:p>
@@ -4604,7 +4605,7 @@
           <a:p>
             <a:fld id="{EC383E9D-F618-274F-801B-B69F97934BDC}" type="datetimeFigureOut">
               <a:rPr lang="fr-FR" smtClean="0"/>
-              <a:t>20/07/2022</a:t>
+              <a:t>25/07/2022</a:t>
             </a:fld>
             <a:endParaRPr lang="fr-FR"/>
           </a:p>
@@ -4993,7 +4994,7 @@
           <a:p>
             <a:fld id="{EC383E9D-F618-274F-801B-B69F97934BDC}" type="datetimeFigureOut">
               <a:rPr lang="fr-FR" smtClean="0"/>
-              <a:t>20/07/2022</a:t>
+              <a:t>25/07/2022</a:t>
             </a:fld>
             <a:endParaRPr lang="fr-FR"/>
           </a:p>
@@ -5369,7 +5370,7 @@
           <a:p>
             <a:fld id="{EC383E9D-F618-274F-801B-B69F97934BDC}" type="datetimeFigureOut">
               <a:rPr lang="fr-FR" smtClean="0"/>
-              <a:t>20/07/2022</a:t>
+              <a:t>25/07/2022</a:t>
             </a:fld>
             <a:endParaRPr lang="fr-FR"/>
           </a:p>
@@ -5875,7 +5876,7 @@
           <a:p>
             <a:fld id="{EC383E9D-F618-274F-801B-B69F97934BDC}" type="datetimeFigureOut">
               <a:rPr lang="fr-FR" smtClean="0"/>
-              <a:t>20/07/2022</a:t>
+              <a:t>25/07/2022</a:t>
             </a:fld>
             <a:endParaRPr lang="fr-FR"/>
           </a:p>
@@ -6132,7 +6133,7 @@
           <a:p>
             <a:fld id="{EC383E9D-F618-274F-801B-B69F97934BDC}" type="datetimeFigureOut">
               <a:rPr lang="fr-FR" smtClean="0"/>
-              <a:t>20/07/2022</a:t>
+              <a:t>25/07/2022</a:t>
             </a:fld>
             <a:endParaRPr lang="fr-FR"/>
           </a:p>
@@ -6295,7 +6296,7 @@
           <a:p>
             <a:fld id="{EC383E9D-F618-274F-801B-B69F97934BDC}" type="datetimeFigureOut">
               <a:rPr lang="fr-FR" smtClean="0"/>
-              <a:t>20/07/2022</a:t>
+              <a:t>25/07/2022</a:t>
             </a:fld>
             <a:endParaRPr lang="fr-FR"/>
           </a:p>
@@ -6685,7 +6686,7 @@
           <a:p>
             <a:fld id="{EC383E9D-F618-274F-801B-B69F97934BDC}" type="datetimeFigureOut">
               <a:rPr lang="fr-FR" smtClean="0"/>
-              <a:t>20/07/2022</a:t>
+              <a:t>25/07/2022</a:t>
             </a:fld>
             <a:endParaRPr lang="fr-FR"/>
           </a:p>
@@ -7094,7 +7095,7 @@
           <a:p>
             <a:fld id="{EC383E9D-F618-274F-801B-B69F97934BDC}" type="datetimeFigureOut">
               <a:rPr lang="fr-FR" smtClean="0"/>
-              <a:t>20/07/2022</a:t>
+              <a:t>25/07/2022</a:t>
             </a:fld>
             <a:endParaRPr lang="fr-FR"/>
           </a:p>
@@ -7338,7 +7339,7 @@
           <a:p>
             <a:fld id="{EC383E9D-F618-274F-801B-B69F97934BDC}" type="datetimeFigureOut">
               <a:rPr lang="fr-FR" smtClean="0"/>
-              <a:t>20/07/2022</a:t>
+              <a:t>25/07/2022</a:t>
             </a:fld>
             <a:endParaRPr lang="fr-FR"/>
           </a:p>
@@ -8590,14 +8591,14 @@
           <p:nvPr>
             <p:extLst>
               <p:ext uri="{D42A27DB-BD31-4B8C-83A1-F6EECF244321}">
-                <p14:modId xmlns:p14="http://schemas.microsoft.com/office/powerpoint/2010/main" val="389129756"/>
+                <p14:modId xmlns:p14="http://schemas.microsoft.com/office/powerpoint/2010/main" val="4042943875"/>
               </p:ext>
             </p:extLst>
           </p:nvPr>
         </p:nvGraphicFramePr>
         <p:xfrm>
-          <a:off x="0" y="0"/>
-          <a:ext cx="16280780" cy="17166187"/>
+          <a:off x="-6539948" y="2"/>
+          <a:ext cx="28624697" cy="14297044"/>
         </p:xfrm>
         <a:graphic>
           <a:graphicData uri="http://schemas.openxmlformats.org/drawingml/2006/table">
@@ -8606,28 +8607,28 @@
                 <a:tableStyleId>{5C22544A-7EE6-4342-B048-85BDC9FD1C3A}</a:tableStyleId>
               </a:tblPr>
               <a:tblGrid>
-                <a:gridCol w="4070195">
+                <a:gridCol w="2782957">
                   <a:extLst>
                     <a:ext uri="{9D8B030D-6E8A-4147-A177-3AD203B41FA5}">
                       <a16:colId xmlns:a16="http://schemas.microsoft.com/office/drawing/2014/main" val="3942542456"/>
                     </a:ext>
                   </a:extLst>
                 </a:gridCol>
-                <a:gridCol w="4070195">
+                <a:gridCol w="11529392">
                   <a:extLst>
                     <a:ext uri="{9D8B030D-6E8A-4147-A177-3AD203B41FA5}">
                       <a16:colId xmlns:a16="http://schemas.microsoft.com/office/drawing/2014/main" val="2570774329"/>
                     </a:ext>
                   </a:extLst>
                 </a:gridCol>
-                <a:gridCol w="4070195">
+                <a:gridCol w="7156174">
                   <a:extLst>
                     <a:ext uri="{9D8B030D-6E8A-4147-A177-3AD203B41FA5}">
                       <a16:colId xmlns:a16="http://schemas.microsoft.com/office/drawing/2014/main" val="149763498"/>
                     </a:ext>
                   </a:extLst>
                 </a:gridCol>
-                <a:gridCol w="4070195">
+                <a:gridCol w="7156174">
                   <a:extLst>
                     <a:ext uri="{9D8B030D-6E8A-4147-A177-3AD203B41FA5}">
                       <a16:colId xmlns:a16="http://schemas.microsoft.com/office/drawing/2014/main" val="1030424750"/>
@@ -8635,7 +8636,7 @@
                   </a:extLst>
                 </a:gridCol>
               </a:tblGrid>
-              <a:tr h="579863">
+              <a:tr h="609094">
                 <a:tc>
                   <a:txBody>
                     <a:bodyPr/>
@@ -8644,7 +8645,47 @@
                       <a:endParaRPr lang="fr-FR"/>
                     </a:p>
                   </a:txBody>
-                  <a:tcPr/>
+                  <a:tcPr>
+                    <a:lnL w="38100" cap="flat" cmpd="sng" algn="ctr">
+                      <a:solidFill>
+                        <a:schemeClr val="tx1"/>
+                      </a:solidFill>
+                      <a:prstDash val="solid"/>
+                      <a:round/>
+                      <a:headEnd type="none" w="med" len="med"/>
+                      <a:tailEnd type="none" w="med" len="med"/>
+                    </a:lnL>
+                    <a:lnR w="38100" cap="flat" cmpd="sng" algn="ctr">
+                      <a:solidFill>
+                        <a:schemeClr val="tx1"/>
+                      </a:solidFill>
+                      <a:prstDash val="solid"/>
+                      <a:round/>
+                      <a:headEnd type="none" w="med" len="med"/>
+                      <a:tailEnd type="none" w="med" len="med"/>
+                    </a:lnR>
+                    <a:lnT w="38100" cap="flat" cmpd="sng" algn="ctr">
+                      <a:solidFill>
+                        <a:schemeClr val="tx1"/>
+                      </a:solidFill>
+                      <a:prstDash val="solid"/>
+                      <a:round/>
+                      <a:headEnd type="none" w="med" len="med"/>
+                      <a:tailEnd type="none" w="med" len="med"/>
+                    </a:lnT>
+                    <a:lnB w="38100" cap="flat" cmpd="sng" algn="ctr">
+                      <a:solidFill>
+                        <a:schemeClr val="tx1"/>
+                      </a:solidFill>
+                      <a:prstDash val="solid"/>
+                      <a:round/>
+                      <a:headEnd type="none" w="med" len="med"/>
+                      <a:tailEnd type="none" w="med" len="med"/>
+                    </a:lnB>
+                    <a:solidFill>
+                      <a:srgbClr val="B53817"/>
+                    </a:solidFill>
+                  </a:tcPr>
                 </a:tc>
                 <a:tc>
                   <a:txBody>
@@ -8669,15 +8710,55 @@
                         <a:defRPr/>
                       </a:pPr>
                       <a:r>
-                        <a:rPr lang="fr-FR" sz="1800" dirty="0"/>
+                        <a:rPr lang="fr-FR" sz="2800" dirty="0"/>
                         <a:t>Méthode Agile</a:t>
                       </a:r>
                     </a:p>
                     <a:p>
-                      <a:endParaRPr lang="fr-FR" dirty="0"/>
+                      <a:endParaRPr lang="fr-FR" sz="2800" dirty="0"/>
                     </a:p>
                   </a:txBody>
-                  <a:tcPr/>
+                  <a:tcPr>
+                    <a:lnL w="38100" cap="flat" cmpd="sng" algn="ctr">
+                      <a:solidFill>
+                        <a:schemeClr val="tx1"/>
+                      </a:solidFill>
+                      <a:prstDash val="solid"/>
+                      <a:round/>
+                      <a:headEnd type="none" w="med" len="med"/>
+                      <a:tailEnd type="none" w="med" len="med"/>
+                    </a:lnL>
+                    <a:lnR w="38100" cap="flat" cmpd="sng" algn="ctr">
+                      <a:solidFill>
+                        <a:schemeClr val="tx1"/>
+                      </a:solidFill>
+                      <a:prstDash val="solid"/>
+                      <a:round/>
+                      <a:headEnd type="none" w="med" len="med"/>
+                      <a:tailEnd type="none" w="med" len="med"/>
+                    </a:lnR>
+                    <a:lnT w="38100" cap="flat" cmpd="sng" algn="ctr">
+                      <a:solidFill>
+                        <a:schemeClr val="tx1"/>
+                      </a:solidFill>
+                      <a:prstDash val="solid"/>
+                      <a:round/>
+                      <a:headEnd type="none" w="med" len="med"/>
+                      <a:tailEnd type="none" w="med" len="med"/>
+                    </a:lnT>
+                    <a:lnB w="38100" cap="flat" cmpd="sng" algn="ctr">
+                      <a:solidFill>
+                        <a:schemeClr val="tx1"/>
+                      </a:solidFill>
+                      <a:prstDash val="solid"/>
+                      <a:round/>
+                      <a:headEnd type="none" w="med" len="med"/>
+                      <a:tailEnd type="none" w="med" len="med"/>
+                    </a:lnB>
+                    <a:solidFill>
+                      <a:srgbClr val="B53817"/>
+                    </a:solidFill>
+                  </a:tcPr>
                 </a:tc>
                 <a:tc>
                   <a:txBody>
@@ -8702,15 +8783,55 @@
                         <a:defRPr/>
                       </a:pPr>
                       <a:r>
-                        <a:rPr lang="fr-FR" sz="1800" dirty="0"/>
+                        <a:rPr lang="fr-FR" sz="2800" dirty="0"/>
                         <a:t>Méthode en Cascade</a:t>
                       </a:r>
                     </a:p>
                     <a:p>
-                      <a:endParaRPr lang="fr-FR" dirty="0"/>
+                      <a:endParaRPr lang="fr-FR" sz="2800" dirty="0"/>
                     </a:p>
                   </a:txBody>
-                  <a:tcPr/>
+                  <a:tcPr>
+                    <a:lnL w="38100" cap="flat" cmpd="sng" algn="ctr">
+                      <a:solidFill>
+                        <a:schemeClr val="tx1"/>
+                      </a:solidFill>
+                      <a:prstDash val="solid"/>
+                      <a:round/>
+                      <a:headEnd type="none" w="med" len="med"/>
+                      <a:tailEnd type="none" w="med" len="med"/>
+                    </a:lnL>
+                    <a:lnR w="38100" cap="flat" cmpd="sng" algn="ctr">
+                      <a:solidFill>
+                        <a:schemeClr val="tx1"/>
+                      </a:solidFill>
+                      <a:prstDash val="solid"/>
+                      <a:round/>
+                      <a:headEnd type="none" w="med" len="med"/>
+                      <a:tailEnd type="none" w="med" len="med"/>
+                    </a:lnR>
+                    <a:lnT w="38100" cap="flat" cmpd="sng" algn="ctr">
+                      <a:solidFill>
+                        <a:schemeClr val="tx1"/>
+                      </a:solidFill>
+                      <a:prstDash val="solid"/>
+                      <a:round/>
+                      <a:headEnd type="none" w="med" len="med"/>
+                      <a:tailEnd type="none" w="med" len="med"/>
+                    </a:lnT>
+                    <a:lnB w="38100" cap="flat" cmpd="sng" algn="ctr">
+                      <a:solidFill>
+                        <a:schemeClr val="tx1"/>
+                      </a:solidFill>
+                      <a:prstDash val="solid"/>
+                      <a:round/>
+                      <a:headEnd type="none" w="med" len="med"/>
+                      <a:tailEnd type="none" w="med" len="med"/>
+                    </a:lnB>
+                    <a:solidFill>
+                      <a:srgbClr val="B53817"/>
+                    </a:solidFill>
+                  </a:tcPr>
                 </a:tc>
                 <a:tc>
                   <a:txBody>
@@ -8735,15 +8856,55 @@
                         <a:defRPr/>
                       </a:pPr>
                       <a:r>
-                        <a:rPr lang="fr-FR" sz="1800" dirty="0"/>
+                        <a:rPr lang="fr-FR" sz="2800" dirty="0"/>
                         <a:t>Cycle en V</a:t>
                       </a:r>
                     </a:p>
                     <a:p>
-                      <a:endParaRPr lang="fr-FR" dirty="0"/>
+                      <a:endParaRPr lang="fr-FR" sz="2800" dirty="0"/>
                     </a:p>
                   </a:txBody>
-                  <a:tcPr/>
+                  <a:tcPr>
+                    <a:lnL w="38100" cap="flat" cmpd="sng" algn="ctr">
+                      <a:solidFill>
+                        <a:schemeClr val="tx1"/>
+                      </a:solidFill>
+                      <a:prstDash val="solid"/>
+                      <a:round/>
+                      <a:headEnd type="none" w="med" len="med"/>
+                      <a:tailEnd type="none" w="med" len="med"/>
+                    </a:lnL>
+                    <a:lnR w="38100" cap="flat" cmpd="sng" algn="ctr">
+                      <a:solidFill>
+                        <a:schemeClr val="tx1"/>
+                      </a:solidFill>
+                      <a:prstDash val="solid"/>
+                      <a:round/>
+                      <a:headEnd type="none" w="med" len="med"/>
+                      <a:tailEnd type="none" w="med" len="med"/>
+                    </a:lnR>
+                    <a:lnT w="38100" cap="flat" cmpd="sng" algn="ctr">
+                      <a:solidFill>
+                        <a:schemeClr val="tx1"/>
+                      </a:solidFill>
+                      <a:prstDash val="solid"/>
+                      <a:round/>
+                      <a:headEnd type="none" w="med" len="med"/>
+                      <a:tailEnd type="none" w="med" len="med"/>
+                    </a:lnT>
+                    <a:lnB w="38100" cap="flat" cmpd="sng" algn="ctr">
+                      <a:solidFill>
+                        <a:schemeClr val="tx1"/>
+                      </a:solidFill>
+                      <a:prstDash val="solid"/>
+                      <a:round/>
+                      <a:headEnd type="none" w="med" len="med"/>
+                      <a:tailEnd type="none" w="med" len="med"/>
+                    </a:lnB>
+                    <a:solidFill>
+                      <a:srgbClr val="B53817"/>
+                    </a:solidFill>
+                  </a:tcPr>
                 </a:tc>
                 <a:extLst>
                   <a:ext uri="{0D108BD9-81ED-4DB2-BD59-A6C34878D82A}">
@@ -8751,7 +8912,7 @@
                   </a:ext>
                 </a:extLst>
               </a:tr>
-              <a:tr h="1895707">
+              <a:tr h="3171844">
                 <a:tc>
                   <a:txBody>
                     <a:bodyPr/>
@@ -8775,15 +8936,59 @@
                         <a:defRPr/>
                       </a:pPr>
                       <a:r>
-                        <a:rPr lang="fr-FR" sz="1800" dirty="0"/>
+                        <a:rPr lang="fr-FR" sz="2800" b="1" dirty="0">
+                          <a:solidFill>
+                            <a:schemeClr val="tx1"/>
+                          </a:solidFill>
+                        </a:rPr>
                         <a:t>Principes clés</a:t>
                       </a:r>
                     </a:p>
                     <a:p>
-                      <a:endParaRPr lang="fr-FR" dirty="0"/>
+                      <a:endParaRPr lang="fr-FR" sz="2800" dirty="0"/>
                     </a:p>
                   </a:txBody>
-                  <a:tcPr/>
+                  <a:tcPr>
+                    <a:lnL w="38100" cap="flat" cmpd="sng" algn="ctr">
+                      <a:solidFill>
+                        <a:schemeClr val="tx1"/>
+                      </a:solidFill>
+                      <a:prstDash val="solid"/>
+                      <a:round/>
+                      <a:headEnd type="none" w="med" len="med"/>
+                      <a:tailEnd type="none" w="med" len="med"/>
+                    </a:lnL>
+                    <a:lnR w="38100" cap="flat" cmpd="sng" algn="ctr">
+                      <a:solidFill>
+                        <a:schemeClr val="tx1"/>
+                      </a:solidFill>
+                      <a:prstDash val="solid"/>
+                      <a:round/>
+                      <a:headEnd type="none" w="med" len="med"/>
+                      <a:tailEnd type="none" w="med" len="med"/>
+                    </a:lnR>
+                    <a:lnT w="38100" cap="flat" cmpd="sng" algn="ctr">
+                      <a:solidFill>
+                        <a:schemeClr val="tx1"/>
+                      </a:solidFill>
+                      <a:prstDash val="solid"/>
+                      <a:round/>
+                      <a:headEnd type="none" w="med" len="med"/>
+                      <a:tailEnd type="none" w="med" len="med"/>
+                    </a:lnT>
+                    <a:lnB w="38100" cap="flat" cmpd="sng" algn="ctr">
+                      <a:solidFill>
+                        <a:schemeClr val="tx1"/>
+                      </a:solidFill>
+                      <a:prstDash val="solid"/>
+                      <a:round/>
+                      <a:headEnd type="none" w="med" len="med"/>
+                      <a:tailEnd type="none" w="med" len="med"/>
+                    </a:lnB>
+                    <a:solidFill>
+                      <a:srgbClr val="B53817"/>
+                    </a:solidFill>
+                  </a:tcPr>
                 </a:tc>
                 <a:tc>
                   <a:txBody>
@@ -8791,7 +8996,7 @@
                     <a:lstStyle/>
                     <a:p>
                       <a:r>
-                        <a:rPr lang="fr-FR" sz="1800" kern="1200" dirty="0">
+                        <a:rPr lang="fr-FR" sz="2000" kern="1200" dirty="0">
                           <a:solidFill>
                             <a:schemeClr val="dk1"/>
                           </a:solidFill>
@@ -8802,7 +9007,7 @@
                     </a:p>
                     <a:p>
                       <a:r>
-                        <a:rPr lang="fr-FR" sz="1800" kern="1200" dirty="0">
+                        <a:rPr lang="fr-FR" sz="2000" kern="1200" dirty="0">
                           <a:solidFill>
                             <a:schemeClr val="dk1"/>
                           </a:solidFill>
@@ -8813,7 +9018,7 @@
                     </a:p>
                     <a:p>
                       <a:r>
-                        <a:rPr lang="fr-FR" sz="1800" kern="1200" dirty="0">
+                        <a:rPr lang="fr-FR" sz="2000" kern="1200" dirty="0">
                           <a:solidFill>
                             <a:schemeClr val="dk1"/>
                           </a:solidFill>
@@ -8824,7 +9029,7 @@
                     </a:p>
                     <a:p>
                       <a:r>
-                        <a:rPr lang="fr-FR" sz="1800" kern="1200" dirty="0">
+                        <a:rPr lang="fr-FR" sz="2000" kern="1200" dirty="0">
                           <a:solidFill>
                             <a:schemeClr val="dk1"/>
                           </a:solidFill>
@@ -8835,7 +9040,7 @@
                     </a:p>
                     <a:p>
                       <a:r>
-                        <a:rPr lang="fr-FR" sz="1800" kern="1200" dirty="0">
+                        <a:rPr lang="fr-FR" sz="2000" kern="1200" dirty="0">
                           <a:solidFill>
                             <a:schemeClr val="dk1"/>
                           </a:solidFill>
@@ -8846,7 +9051,7 @@
                     </a:p>
                     <a:p>
                       <a:r>
-                        <a:rPr lang="fr-FR" sz="1800" kern="1200" dirty="0">
+                        <a:rPr lang="fr-FR" sz="2000" kern="1200" dirty="0">
                           <a:solidFill>
                             <a:schemeClr val="dk1"/>
                           </a:solidFill>
@@ -8857,7 +9062,7 @@
                     </a:p>
                     <a:p>
                       <a:r>
-                        <a:rPr lang="fr-FR" sz="1800" kern="1200" dirty="0">
+                        <a:rPr lang="fr-FR" sz="2000" kern="1200" dirty="0">
                           <a:solidFill>
                             <a:schemeClr val="dk1"/>
                           </a:solidFill>
@@ -8865,21 +9070,49 @@
                         </a:rPr>
                         <a:t>L’acceptation du changement, plutôt que le suivi d'un plan</a:t>
                       </a:r>
-                      <a:endParaRPr lang="fr-FR" sz="1800" kern="1200" dirty="0">
-                        <a:solidFill>
-                          <a:schemeClr val="dk1"/>
-                        </a:solidFill>
-                        <a:effectLst/>
-                        <a:latin typeface="+mn-lt"/>
-                        <a:ea typeface="+mn-ea"/>
-                        <a:cs typeface="+mn-cs"/>
-                      </a:endParaRPr>
-                    </a:p>
-                    <a:p>
-                      <a:endParaRPr lang="fr-FR" dirty="0"/>
+                    </a:p>
+                    <a:p>
+                      <a:endParaRPr lang="fr-FR" sz="2000" dirty="0"/>
                     </a:p>
                   </a:txBody>
-                  <a:tcPr/>
+                  <a:tcPr>
+                    <a:lnL w="38100" cap="flat" cmpd="sng" algn="ctr">
+                      <a:solidFill>
+                        <a:schemeClr val="tx1"/>
+                      </a:solidFill>
+                      <a:prstDash val="solid"/>
+                      <a:round/>
+                      <a:headEnd type="none" w="med" len="med"/>
+                      <a:tailEnd type="none" w="med" len="med"/>
+                    </a:lnL>
+                    <a:lnR w="38100" cap="flat" cmpd="sng" algn="ctr">
+                      <a:solidFill>
+                        <a:schemeClr val="tx1"/>
+                      </a:solidFill>
+                      <a:prstDash val="solid"/>
+                      <a:round/>
+                      <a:headEnd type="none" w="med" len="med"/>
+                      <a:tailEnd type="none" w="med" len="med"/>
+                    </a:lnR>
+                    <a:lnT w="38100" cap="flat" cmpd="sng" algn="ctr">
+                      <a:solidFill>
+                        <a:schemeClr val="tx1"/>
+                      </a:solidFill>
+                      <a:prstDash val="solid"/>
+                      <a:round/>
+                      <a:headEnd type="none" w="med" len="med"/>
+                      <a:tailEnd type="none" w="med" len="med"/>
+                    </a:lnT>
+                    <a:lnB w="38100" cap="flat" cmpd="sng" algn="ctr">
+                      <a:solidFill>
+                        <a:schemeClr val="tx1"/>
+                      </a:solidFill>
+                      <a:prstDash val="solid"/>
+                      <a:round/>
+                      <a:headEnd type="none" w="med" len="med"/>
+                      <a:tailEnd type="none" w="med" len="med"/>
+                    </a:lnB>
+                  </a:tcPr>
                 </a:tc>
                 <a:tc>
                   <a:txBody>
@@ -8887,7 +9120,7 @@
                     <a:lstStyle/>
                     <a:p>
                       <a:r>
-                        <a:rPr lang="fr-FR" sz="1800" kern="1200" dirty="0">
+                        <a:rPr lang="fr-FR" sz="2000" kern="1200" dirty="0">
                           <a:solidFill>
                             <a:schemeClr val="dk1"/>
                           </a:solidFill>
@@ -8898,7 +9131,7 @@
                     </a:p>
                     <a:p>
                       <a:r>
-                        <a:rPr lang="fr-FR" sz="1800" kern="1200" dirty="0">
+                        <a:rPr lang="fr-FR" sz="2000" kern="1200" dirty="0">
                           <a:solidFill>
                             <a:schemeClr val="dk1"/>
                           </a:solidFill>
@@ -8909,7 +9142,7 @@
                     </a:p>
                     <a:p>
                       <a:r>
-                        <a:rPr lang="fr-FR" sz="1800" kern="1200" dirty="0">
+                        <a:rPr lang="fr-FR" sz="2000" kern="1200" dirty="0">
                           <a:solidFill>
                             <a:schemeClr val="dk1"/>
                           </a:solidFill>
@@ -8920,7 +9153,7 @@
                     </a:p>
                     <a:p>
                       <a:r>
-                        <a:rPr lang="fr-FR" sz="1800" kern="1200" dirty="0">
+                        <a:rPr lang="fr-FR" sz="2000" kern="1200" dirty="0">
                           <a:solidFill>
                             <a:schemeClr val="dk1"/>
                           </a:solidFill>
@@ -8931,7 +9164,7 @@
                     </a:p>
                     <a:p>
                       <a:r>
-                        <a:rPr lang="fr-FR" sz="1800" kern="1200" dirty="0">
+                        <a:rPr lang="fr-FR" sz="2000" kern="1200" dirty="0">
                           <a:solidFill>
                             <a:schemeClr val="dk1"/>
                           </a:solidFill>
@@ -8942,7 +9175,7 @@
                     </a:p>
                     <a:p>
                       <a:r>
-                        <a:rPr lang="fr-FR" sz="1800" kern="1200" dirty="0">
+                        <a:rPr lang="fr-FR" sz="2000" kern="1200" dirty="0">
                           <a:solidFill>
                             <a:schemeClr val="dk1"/>
                           </a:solidFill>
@@ -8953,7 +9186,7 @@
                     </a:p>
                     <a:p>
                       <a:r>
-                        <a:rPr lang="fr-FR" sz="1800" kern="1200" dirty="0">
+                        <a:rPr lang="fr-FR" sz="2000" kern="1200" dirty="0">
                           <a:solidFill>
                             <a:schemeClr val="dk1"/>
                           </a:solidFill>
@@ -8962,15 +9195,52 @@
                         <a:t>Si un client n’est pas satisfait d’un livrable, l’équipe devra le retravailler jusqu’à ce qu’il soit parfait</a:t>
                       </a:r>
                       <a:r>
-                        <a:rPr lang="fr-FR" dirty="0">
+                        <a:rPr lang="fr-FR" sz="2000" dirty="0">
                           <a:effectLst/>
                         </a:rPr>
                         <a:t> </a:t>
                       </a:r>
-                      <a:endParaRPr lang="fr-FR" dirty="0"/>
+                      <a:endParaRPr lang="fr-FR" sz="2000" dirty="0"/>
                     </a:p>
                   </a:txBody>
-                  <a:tcPr/>
+                  <a:tcPr>
+                    <a:lnL w="38100" cap="flat" cmpd="sng" algn="ctr">
+                      <a:solidFill>
+                        <a:schemeClr val="tx1"/>
+                      </a:solidFill>
+                      <a:prstDash val="solid"/>
+                      <a:round/>
+                      <a:headEnd type="none" w="med" len="med"/>
+                      <a:tailEnd type="none" w="med" len="med"/>
+                    </a:lnL>
+                    <a:lnR w="38100" cap="flat" cmpd="sng" algn="ctr">
+                      <a:solidFill>
+                        <a:schemeClr val="tx1"/>
+                      </a:solidFill>
+                      <a:prstDash val="solid"/>
+                      <a:round/>
+                      <a:headEnd type="none" w="med" len="med"/>
+                      <a:tailEnd type="none" w="med" len="med"/>
+                    </a:lnR>
+                    <a:lnT w="38100" cap="flat" cmpd="sng" algn="ctr">
+                      <a:solidFill>
+                        <a:schemeClr val="tx1"/>
+                      </a:solidFill>
+                      <a:prstDash val="solid"/>
+                      <a:round/>
+                      <a:headEnd type="none" w="med" len="med"/>
+                      <a:tailEnd type="none" w="med" len="med"/>
+                    </a:lnT>
+                    <a:lnB w="38100" cap="flat" cmpd="sng" algn="ctr">
+                      <a:solidFill>
+                        <a:schemeClr val="tx1"/>
+                      </a:solidFill>
+                      <a:prstDash val="solid"/>
+                      <a:round/>
+                      <a:headEnd type="none" w="med" len="med"/>
+                      <a:tailEnd type="none" w="med" len="med"/>
+                    </a:lnB>
+                  </a:tcPr>
                 </a:tc>
                 <a:tc>
                   <a:txBody>
@@ -8995,15 +9265,52 @@
                         <a:defRPr/>
                       </a:pPr>
                       <a:r>
-                        <a:rPr lang="fr-FR" dirty="0"/>
+                        <a:rPr lang="fr-FR" sz="2000" dirty="0"/>
                         <a:t>Chaque partie de la phase ascendante fait écho à chacune de la partie descendante (la phase ascendante est là pour valider la phase descendante)</a:t>
                       </a:r>
                     </a:p>
                     <a:p>
-                      <a:endParaRPr lang="fr-FR" dirty="0"/>
+                      <a:endParaRPr lang="fr-FR" sz="2000" dirty="0"/>
                     </a:p>
                   </a:txBody>
-                  <a:tcPr/>
+                  <a:tcPr>
+                    <a:lnL w="38100" cap="flat" cmpd="sng" algn="ctr">
+                      <a:solidFill>
+                        <a:schemeClr val="tx1"/>
+                      </a:solidFill>
+                      <a:prstDash val="solid"/>
+                      <a:round/>
+                      <a:headEnd type="none" w="med" len="med"/>
+                      <a:tailEnd type="none" w="med" len="med"/>
+                    </a:lnL>
+                    <a:lnR w="38100" cap="flat" cmpd="sng" algn="ctr">
+                      <a:solidFill>
+                        <a:schemeClr val="tx1"/>
+                      </a:solidFill>
+                      <a:prstDash val="solid"/>
+                      <a:round/>
+                      <a:headEnd type="none" w="med" len="med"/>
+                      <a:tailEnd type="none" w="med" len="med"/>
+                    </a:lnR>
+                    <a:lnT w="38100" cap="flat" cmpd="sng" algn="ctr">
+                      <a:solidFill>
+                        <a:schemeClr val="tx1"/>
+                      </a:solidFill>
+                      <a:prstDash val="solid"/>
+                      <a:round/>
+                      <a:headEnd type="none" w="med" len="med"/>
+                      <a:tailEnd type="none" w="med" len="med"/>
+                    </a:lnT>
+                    <a:lnB w="38100" cap="flat" cmpd="sng" algn="ctr">
+                      <a:solidFill>
+                        <a:schemeClr val="tx1"/>
+                      </a:solidFill>
+                      <a:prstDash val="solid"/>
+                      <a:round/>
+                      <a:headEnd type="none" w="med" len="med"/>
+                      <a:tailEnd type="none" w="med" len="med"/>
+                    </a:lnB>
+                  </a:tcPr>
                 </a:tc>
                 <a:extLst>
                   <a:ext uri="{0D108BD9-81ED-4DB2-BD59-A6C34878D82A}">
@@ -9011,7 +9318,7 @@
                   </a:ext>
                 </a:extLst>
               </a:tr>
-              <a:tr h="1895707">
+              <a:tr h="2436378">
                 <a:tc rowSpan="2">
                   <a:txBody>
                     <a:bodyPr/>
@@ -9035,15 +9342,59 @@
                         <a:defRPr/>
                       </a:pPr>
                       <a:r>
-                        <a:rPr lang="fr-FR" sz="1800" dirty="0"/>
+                        <a:rPr lang="fr-FR" sz="2800" b="1" dirty="0">
+                          <a:solidFill>
+                            <a:schemeClr val="tx1"/>
+                          </a:solidFill>
+                        </a:rPr>
                         <a:t>Avantages</a:t>
                       </a:r>
                     </a:p>
                     <a:p>
-                      <a:endParaRPr lang="fr-FR" dirty="0"/>
+                      <a:endParaRPr lang="fr-FR" sz="2800" dirty="0"/>
                     </a:p>
                   </a:txBody>
-                  <a:tcPr/>
+                  <a:tcPr>
+                    <a:lnL w="38100" cap="flat" cmpd="sng" algn="ctr">
+                      <a:solidFill>
+                        <a:schemeClr val="tx1"/>
+                      </a:solidFill>
+                      <a:prstDash val="solid"/>
+                      <a:round/>
+                      <a:headEnd type="none" w="med" len="med"/>
+                      <a:tailEnd type="none" w="med" len="med"/>
+                    </a:lnL>
+                    <a:lnR w="38100" cap="flat" cmpd="sng" algn="ctr">
+                      <a:solidFill>
+                        <a:schemeClr val="tx1"/>
+                      </a:solidFill>
+                      <a:prstDash val="solid"/>
+                      <a:round/>
+                      <a:headEnd type="none" w="med" len="med"/>
+                      <a:tailEnd type="none" w="med" len="med"/>
+                    </a:lnR>
+                    <a:lnT w="38100" cap="flat" cmpd="sng" algn="ctr">
+                      <a:solidFill>
+                        <a:schemeClr val="tx1"/>
+                      </a:solidFill>
+                      <a:prstDash val="solid"/>
+                      <a:round/>
+                      <a:headEnd type="none" w="med" len="med"/>
+                      <a:tailEnd type="none" w="med" len="med"/>
+                    </a:lnT>
+                    <a:lnB w="38100" cap="flat" cmpd="sng" algn="ctr">
+                      <a:solidFill>
+                        <a:schemeClr val="tx1"/>
+                      </a:solidFill>
+                      <a:prstDash val="solid"/>
+                      <a:round/>
+                      <a:headEnd type="none" w="med" len="med"/>
+                      <a:tailEnd type="none" w="med" len="med"/>
+                    </a:lnB>
+                    <a:solidFill>
+                      <a:srgbClr val="B53817"/>
+                    </a:solidFill>
+                  </a:tcPr>
                 </a:tc>
                 <a:tc rowSpan="2">
                   <a:txBody>
@@ -9051,7 +9402,7 @@
                     <a:lstStyle/>
                     <a:p>
                       <a:r>
-                        <a:rPr lang="fr-FR" sz="1800" kern="1200" dirty="0">
+                        <a:rPr lang="fr-FR" sz="2000" kern="1200" dirty="0">
                           <a:solidFill>
                             <a:schemeClr val="dk1"/>
                           </a:solidFill>
@@ -9062,7 +9413,7 @@
                     </a:p>
                     <a:p>
                       <a:r>
-                        <a:rPr lang="fr-FR" sz="1800" kern="1200" dirty="0">
+                        <a:rPr lang="fr-FR" sz="2000" kern="1200" dirty="0">
                           <a:solidFill>
                             <a:schemeClr val="dk1"/>
                           </a:solidFill>
@@ -9073,7 +9424,7 @@
                     </a:p>
                     <a:p>
                       <a:r>
-                        <a:rPr lang="fr-FR" sz="1800" kern="1200" dirty="0">
+                        <a:rPr lang="fr-FR" sz="2000" kern="1200" dirty="0">
                           <a:solidFill>
                             <a:schemeClr val="dk1"/>
                           </a:solidFill>
@@ -9084,7 +9435,7 @@
                     </a:p>
                     <a:p>
                       <a:r>
-                        <a:rPr lang="fr-FR" sz="1800" kern="1200" dirty="0">
+                        <a:rPr lang="fr-FR" sz="2000" kern="1200" dirty="0">
                           <a:solidFill>
                             <a:schemeClr val="dk1"/>
                           </a:solidFill>
@@ -9095,7 +9446,7 @@
                     </a:p>
                     <a:p>
                       <a:r>
-                        <a:rPr lang="fr-FR" sz="1800" kern="1200" dirty="0">
+                        <a:rPr lang="fr-FR" sz="2000" kern="1200" dirty="0">
                           <a:solidFill>
                             <a:schemeClr val="dk1"/>
                           </a:solidFill>
@@ -9106,7 +9457,7 @@
                     </a:p>
                     <a:p>
                       <a:r>
-                        <a:rPr lang="fr-FR" sz="1800" kern="1200" dirty="0">
+                        <a:rPr lang="fr-FR" sz="2000" kern="1200" dirty="0">
                           <a:solidFill>
                             <a:schemeClr val="dk1"/>
                           </a:solidFill>
@@ -9117,7 +9468,7 @@
                     </a:p>
                     <a:p>
                       <a:r>
-                        <a:rPr lang="fr-FR" sz="1800" kern="1200" dirty="0">
+                        <a:rPr lang="fr-FR" sz="2000" kern="1200" dirty="0">
                           <a:solidFill>
                             <a:schemeClr val="dk1"/>
                           </a:solidFill>
@@ -9128,7 +9479,7 @@
                     </a:p>
                     <a:p>
                       <a:r>
-                        <a:rPr lang="fr-FR" sz="1800" kern="1200" dirty="0">
+                        <a:rPr lang="fr-FR" sz="2000" kern="1200" dirty="0">
                           <a:solidFill>
                             <a:schemeClr val="dk1"/>
                           </a:solidFill>
@@ -9139,7 +9490,7 @@
                     </a:p>
                     <a:p>
                       <a:r>
-                        <a:rPr lang="fr-FR" sz="1800" kern="1200" dirty="0">
+                        <a:rPr lang="fr-FR" sz="2000" kern="1200" dirty="0">
                           <a:solidFill>
                             <a:schemeClr val="dk1"/>
                           </a:solidFill>
@@ -9148,18 +9499,58 @@
                         <a:t>Maîtrise des coûts</a:t>
                       </a:r>
                       <a:r>
-                        <a:rPr lang="fr-FR" sz="1800" dirty="0">
+                        <a:rPr lang="fr-FR" sz="2000" dirty="0">
                           <a:effectLst/>
                         </a:rPr>
                         <a:t> </a:t>
                       </a:r>
-                      <a:endParaRPr lang="fr-FR" sz="1800" dirty="0"/>
-                    </a:p>
-                    <a:p>
-                      <a:endParaRPr lang="fr-FR" dirty="0"/>
+                      <a:endParaRPr lang="fr-FR" sz="2000" dirty="0"/>
+                    </a:p>
+                    <a:p>
+                      <a:endParaRPr lang="fr-FR" sz="2000" dirty="0"/>
                     </a:p>
                   </a:txBody>
-                  <a:tcPr/>
+                  <a:tcPr>
+                    <a:lnL w="38100" cap="flat" cmpd="sng" algn="ctr">
+                      <a:solidFill>
+                        <a:schemeClr val="tx1"/>
+                      </a:solidFill>
+                      <a:prstDash val="solid"/>
+                      <a:round/>
+                      <a:headEnd type="none" w="med" len="med"/>
+                      <a:tailEnd type="none" w="med" len="med"/>
+                    </a:lnL>
+                    <a:lnR w="38100" cap="flat" cmpd="sng" algn="ctr">
+                      <a:solidFill>
+                        <a:schemeClr val="tx1"/>
+                      </a:solidFill>
+                      <a:prstDash val="solid"/>
+                      <a:round/>
+                      <a:headEnd type="none" w="med" len="med"/>
+                      <a:tailEnd type="none" w="med" len="med"/>
+                    </a:lnR>
+                    <a:lnT w="38100" cap="flat" cmpd="sng" algn="ctr">
+                      <a:solidFill>
+                        <a:schemeClr val="tx1"/>
+                      </a:solidFill>
+                      <a:prstDash val="solid"/>
+                      <a:round/>
+                      <a:headEnd type="none" w="med" len="med"/>
+                      <a:tailEnd type="none" w="med" len="med"/>
+                    </a:lnT>
+                    <a:lnB w="38100" cap="flat" cmpd="sng" algn="ctr">
+                      <a:solidFill>
+                        <a:schemeClr val="tx1"/>
+                      </a:solidFill>
+                      <a:prstDash val="solid"/>
+                      <a:round/>
+                      <a:headEnd type="none" w="med" len="med"/>
+                      <a:tailEnd type="none" w="med" len="med"/>
+                    </a:lnB>
+                    <a:solidFill>
+                      <a:srgbClr val="F9DCCC"/>
+                    </a:solidFill>
+                  </a:tcPr>
                 </a:tc>
                 <a:tc gridSpan="2">
                   <a:txBody>
@@ -9167,31 +9558,118 @@
                     <a:lstStyle/>
                     <a:p>
                       <a:r>
-                        <a:rPr lang="fr-FR" dirty="0"/>
+                        <a:rPr lang="fr-FR" sz="2000" dirty="0"/>
                         <a:t>Une documentation solide (étapes clairement définies)</a:t>
                       </a:r>
                     </a:p>
                     <a:p>
-                      <a:endParaRPr lang="fr-FR" dirty="0"/>
+                      <a:endParaRPr lang="fr-FR" sz="2000" dirty="0"/>
                     </a:p>
                     <a:p>
                       <a:r>
-                        <a:rPr lang="fr-FR" dirty="0"/>
+                        <a:rPr lang="fr-FR" sz="2000" dirty="0"/>
                         <a:t>Estimation des coûts dès le début du projet</a:t>
                       </a:r>
                     </a:p>
                     <a:p>
-                      <a:endParaRPr lang="fr-FR" dirty="0"/>
+                      <a:endParaRPr lang="fr-FR" sz="2000" dirty="0"/>
                     </a:p>
                     <a:p>
                       <a:r>
-                        <a:rPr lang="fr-FR" dirty="0"/>
+                        <a:rPr lang="fr-FR" sz="2000" dirty="0"/>
                         <a:t>Une structure ou les phases de projet sont clairement délimitées</a:t>
                       </a:r>
                     </a:p>
                     <a:p>
-                      <a:endParaRPr lang="fr-FR" dirty="0"/>
-                    </a:p>
+                      <a:endParaRPr lang="fr-FR" sz="2000" dirty="0"/>
+                    </a:p>
+                    <a:p>
+                      <a:pPr marL="0" marR="0" lvl="0" indent="0" algn="l" defTabSz="914400" rtl="0" eaLnBrk="1" fontAlgn="auto" latinLnBrk="0" hangingPunct="1">
+                        <a:lnSpc>
+                          <a:spcPct val="100000"/>
+                        </a:lnSpc>
+                        <a:spcBef>
+                          <a:spcPts val="0"/>
+                        </a:spcBef>
+                        <a:spcAft>
+                          <a:spcPts val="0"/>
+                        </a:spcAft>
+                        <a:buClrTx/>
+                        <a:buSzTx/>
+                        <a:buFontTx/>
+                        <a:buNone/>
+                        <a:tabLst/>
+                        <a:defRPr/>
+                      </a:pPr>
+                      <a:endParaRPr lang="fr-FR" sz="2000" dirty="0"/>
+                    </a:p>
+                    <a:p>
+                      <a:pPr marL="0" marR="0" lvl="0" indent="0" algn="l" defTabSz="914400" rtl="0" eaLnBrk="1" fontAlgn="auto" latinLnBrk="0" hangingPunct="1">
+                        <a:lnSpc>
+                          <a:spcPct val="100000"/>
+                        </a:lnSpc>
+                        <a:spcBef>
+                          <a:spcPts val="0"/>
+                        </a:spcBef>
+                        <a:spcAft>
+                          <a:spcPts val="0"/>
+                        </a:spcAft>
+                        <a:buClrTx/>
+                        <a:buSzTx/>
+                        <a:buFontTx/>
+                        <a:buNone/>
+                        <a:tabLst/>
+                        <a:defRPr/>
+                      </a:pPr>
+                      <a:endParaRPr lang="fr-FR" sz="2000" dirty="0"/>
+                    </a:p>
+                    <a:p>
+                      <a:endParaRPr lang="fr-FR" sz="2000" dirty="0"/>
+                    </a:p>
+                  </a:txBody>
+                  <a:tcPr>
+                    <a:lnL w="38100" cap="flat" cmpd="sng" algn="ctr">
+                      <a:solidFill>
+                        <a:schemeClr val="tx1"/>
+                      </a:solidFill>
+                      <a:prstDash val="solid"/>
+                      <a:round/>
+                      <a:headEnd type="none" w="med" len="med"/>
+                      <a:tailEnd type="none" w="med" len="med"/>
+                    </a:lnL>
+                    <a:lnR w="38100" cap="flat" cmpd="sng" algn="ctr">
+                      <a:solidFill>
+                        <a:schemeClr val="tx1"/>
+                      </a:solidFill>
+                      <a:prstDash val="solid"/>
+                      <a:round/>
+                      <a:headEnd type="none" w="med" len="med"/>
+                      <a:tailEnd type="none" w="med" len="med"/>
+                    </a:lnR>
+                    <a:lnT w="38100" cap="flat" cmpd="sng" algn="ctr">
+                      <a:solidFill>
+                        <a:schemeClr val="tx1"/>
+                      </a:solidFill>
+                      <a:prstDash val="solid"/>
+                      <a:round/>
+                      <a:headEnd type="none" w="med" len="med"/>
+                      <a:tailEnd type="none" w="med" len="med"/>
+                    </a:lnT>
+                    <a:lnB w="38100" cap="flat" cmpd="sng" algn="ctr">
+                      <a:solidFill>
+                        <a:schemeClr val="tx1"/>
+                      </a:solidFill>
+                      <a:prstDash val="solid"/>
+                      <a:round/>
+                      <a:headEnd type="none" w="med" len="med"/>
+                      <a:tailEnd type="none" w="med" len="med"/>
+                    </a:lnB>
+                  </a:tcPr>
+                </a:tc>
+                <a:tc hMerge="1">
+                  <a:txBody>
+                    <a:bodyPr/>
+                    <a:lstStyle/>
                     <a:p>
                       <a:pPr marL="0" marR="0" lvl="0" indent="0" algn="l" defTabSz="914400" rtl="0" eaLnBrk="1" fontAlgn="auto" latinLnBrk="0" hangingPunct="1">
                         <a:lnSpc>
@@ -9238,63 +9716,13 @@
                   </a:txBody>
                   <a:tcPr/>
                 </a:tc>
-                <a:tc hMerge="1">
-                  <a:txBody>
-                    <a:bodyPr/>
-                    <a:lstStyle/>
-                    <a:p>
-                      <a:pPr marL="0" marR="0" lvl="0" indent="0" algn="l" defTabSz="914400" rtl="0" eaLnBrk="1" fontAlgn="auto" latinLnBrk="0" hangingPunct="1">
-                        <a:lnSpc>
-                          <a:spcPct val="100000"/>
-                        </a:lnSpc>
-                        <a:spcBef>
-                          <a:spcPts val="0"/>
-                        </a:spcBef>
-                        <a:spcAft>
-                          <a:spcPts val="0"/>
-                        </a:spcAft>
-                        <a:buClrTx/>
-                        <a:buSzTx/>
-                        <a:buFontTx/>
-                        <a:buNone/>
-                        <a:tabLst/>
-                        <a:defRPr/>
-                      </a:pPr>
-                      <a:endParaRPr lang="fr-FR" dirty="0"/>
-                    </a:p>
-                    <a:p>
-                      <a:pPr marL="0" marR="0" lvl="0" indent="0" algn="l" defTabSz="914400" rtl="0" eaLnBrk="1" fontAlgn="auto" latinLnBrk="0" hangingPunct="1">
-                        <a:lnSpc>
-                          <a:spcPct val="100000"/>
-                        </a:lnSpc>
-                        <a:spcBef>
-                          <a:spcPts val="0"/>
-                        </a:spcBef>
-                        <a:spcAft>
-                          <a:spcPts val="0"/>
-                        </a:spcAft>
-                        <a:buClrTx/>
-                        <a:buSzTx/>
-                        <a:buFontTx/>
-                        <a:buNone/>
-                        <a:tabLst/>
-                        <a:defRPr/>
-                      </a:pPr>
-                      <a:endParaRPr lang="fr-FR" dirty="0"/>
-                    </a:p>
-                    <a:p>
-                      <a:endParaRPr lang="fr-FR" dirty="0"/>
-                    </a:p>
-                  </a:txBody>
-                  <a:tcPr/>
-                </a:tc>
                 <a:extLst>
                   <a:ext uri="{0D108BD9-81ED-4DB2-BD59-A6C34878D82A}">
                     <a16:rowId xmlns:a16="http://schemas.microsoft.com/office/drawing/2014/main" val="790836336"/>
                   </a:ext>
                 </a:extLst>
               </a:tr>
-              <a:tr h="1895707">
+              <a:tr h="2697418">
                 <a:tc vMerge="1">
                   <a:txBody>
                     <a:bodyPr/>
@@ -9338,15 +9766,52 @@
                         <a:defRPr/>
                       </a:pPr>
                       <a:r>
-                        <a:rPr lang="fr-FR" dirty="0"/>
+                        <a:rPr lang="fr-FR" sz="2000" dirty="0"/>
                         <a:t>Plus grande simplicité (processus continu) que dans le cycle en V (simultané)</a:t>
                       </a:r>
                     </a:p>
                     <a:p>
-                      <a:endParaRPr lang="fr-FR" dirty="0"/>
+                      <a:endParaRPr lang="fr-FR" sz="2000" dirty="0"/>
                     </a:p>
                   </a:txBody>
-                  <a:tcPr/>
+                  <a:tcPr>
+                    <a:lnL w="38100" cap="flat" cmpd="sng" algn="ctr">
+                      <a:solidFill>
+                        <a:schemeClr val="tx1"/>
+                      </a:solidFill>
+                      <a:prstDash val="solid"/>
+                      <a:round/>
+                      <a:headEnd type="none" w="med" len="med"/>
+                      <a:tailEnd type="none" w="med" len="med"/>
+                    </a:lnL>
+                    <a:lnR w="38100" cap="flat" cmpd="sng" algn="ctr">
+                      <a:solidFill>
+                        <a:schemeClr val="tx1"/>
+                      </a:solidFill>
+                      <a:prstDash val="solid"/>
+                      <a:round/>
+                      <a:headEnd type="none" w="med" len="med"/>
+                      <a:tailEnd type="none" w="med" len="med"/>
+                    </a:lnR>
+                    <a:lnT w="38100" cap="flat" cmpd="sng" algn="ctr">
+                      <a:solidFill>
+                        <a:schemeClr val="tx1"/>
+                      </a:solidFill>
+                      <a:prstDash val="solid"/>
+                      <a:round/>
+                      <a:headEnd type="none" w="med" len="med"/>
+                      <a:tailEnd type="none" w="med" len="med"/>
+                    </a:lnT>
+                    <a:lnB w="38100" cap="flat" cmpd="sng" algn="ctr">
+                      <a:solidFill>
+                        <a:schemeClr val="tx1"/>
+                      </a:solidFill>
+                      <a:prstDash val="solid"/>
+                      <a:round/>
+                      <a:headEnd type="none" w="med" len="med"/>
+                      <a:tailEnd type="none" w="med" len="med"/>
+                    </a:lnB>
+                  </a:tcPr>
                 </a:tc>
                 <a:tc>
                   <a:txBody>
@@ -9371,7 +9836,7 @@
                         <a:defRPr/>
                       </a:pPr>
                       <a:r>
-                        <a:rPr lang="fr-FR" dirty="0"/>
+                        <a:rPr lang="fr-FR" sz="2000" dirty="0"/>
                         <a:t>Evite les aller-retours, si des problèmes sont rencontrés, chaque étape de la partie ascendante peut s’appuyer sur la documentation produite lors de l’étape de la partie descendante correspondante</a:t>
                       </a:r>
                     </a:p>
@@ -9393,7 +9858,7 @@
                         <a:tabLst/>
                         <a:defRPr/>
                       </a:pPr>
-                      <a:endParaRPr lang="fr-FR" dirty="0"/>
+                      <a:endParaRPr lang="fr-FR" sz="2000" dirty="0"/>
                     </a:p>
                     <a:p>
                       <a:pPr marL="0" marR="0" lvl="0" indent="0" algn="l" defTabSz="914400" rtl="0" eaLnBrk="1" fontAlgn="auto" latinLnBrk="0" hangingPunct="1">
@@ -9414,7 +9879,7 @@
                         <a:defRPr/>
                       </a:pPr>
                       <a:r>
-                        <a:rPr lang="fr-FR" dirty="0"/>
+                        <a:rPr lang="fr-FR" sz="2000" dirty="0"/>
                         <a:t>Elaboration d’un plan de tests dès le début du projet</a:t>
                       </a:r>
                     </a:p>
@@ -9436,7 +9901,7 @@
                         <a:tabLst/>
                         <a:defRPr/>
                       </a:pPr>
-                      <a:endParaRPr lang="fr-FR" dirty="0"/>
+                      <a:endParaRPr lang="fr-FR" sz="2000" dirty="0"/>
                     </a:p>
                     <a:p>
                       <a:pPr marL="0" marR="0" lvl="0" indent="0" algn="l" defTabSz="914400" rtl="0" eaLnBrk="1" fontAlgn="auto" latinLnBrk="0" hangingPunct="1">
@@ -9457,15 +9922,52 @@
                         <a:defRPr/>
                       </a:pPr>
                       <a:r>
-                        <a:rPr lang="fr-FR" dirty="0"/>
+                        <a:rPr lang="fr-FR" sz="2000" dirty="0"/>
                         <a:t>Qualité et fiabilité maximisés, risques minimisés, grâce aux nombreux tests</a:t>
                       </a:r>
                     </a:p>
                     <a:p>
-                      <a:endParaRPr lang="fr-FR" dirty="0"/>
+                      <a:endParaRPr lang="fr-FR" sz="2000" dirty="0"/>
                     </a:p>
                   </a:txBody>
-                  <a:tcPr/>
+                  <a:tcPr>
+                    <a:lnL w="38100" cap="flat" cmpd="sng" algn="ctr">
+                      <a:solidFill>
+                        <a:schemeClr val="tx1"/>
+                      </a:solidFill>
+                      <a:prstDash val="solid"/>
+                      <a:round/>
+                      <a:headEnd type="none" w="med" len="med"/>
+                      <a:tailEnd type="none" w="med" len="med"/>
+                    </a:lnL>
+                    <a:lnR w="38100" cap="flat" cmpd="sng" algn="ctr">
+                      <a:solidFill>
+                        <a:schemeClr val="tx1"/>
+                      </a:solidFill>
+                      <a:prstDash val="solid"/>
+                      <a:round/>
+                      <a:headEnd type="none" w="med" len="med"/>
+                      <a:tailEnd type="none" w="med" len="med"/>
+                    </a:lnR>
+                    <a:lnT w="38100" cap="flat" cmpd="sng" algn="ctr">
+                      <a:solidFill>
+                        <a:schemeClr val="tx1"/>
+                      </a:solidFill>
+                      <a:prstDash val="solid"/>
+                      <a:round/>
+                      <a:headEnd type="none" w="med" len="med"/>
+                      <a:tailEnd type="none" w="med" len="med"/>
+                    </a:lnT>
+                    <a:lnB w="38100" cap="flat" cmpd="sng" algn="ctr">
+                      <a:solidFill>
+                        <a:schemeClr val="tx1"/>
+                      </a:solidFill>
+                      <a:prstDash val="solid"/>
+                      <a:round/>
+                      <a:headEnd type="none" w="med" len="med"/>
+                      <a:tailEnd type="none" w="med" len="med"/>
+                    </a:lnB>
+                  </a:tcPr>
                 </a:tc>
                 <a:extLst>
                   <a:ext uri="{0D108BD9-81ED-4DB2-BD59-A6C34878D82A}">
@@ -9473,20 +9975,63 @@
                   </a:ext>
                 </a:extLst>
               </a:tr>
-              <a:tr h="1895707">
+              <a:tr h="1653256">
                 <a:tc rowSpan="2">
                   <a:txBody>
                     <a:bodyPr/>
                     <a:lstStyle/>
                     <a:p>
                       <a:r>
-                        <a:rPr lang="fr-FR" sz="1800" dirty="0"/>
+                        <a:rPr lang="fr-FR" sz="2800" b="1" dirty="0">
+                          <a:solidFill>
+                            <a:schemeClr val="tx1"/>
+                          </a:solidFill>
+                        </a:rPr>
                         <a:t>Inconvénients</a:t>
                       </a:r>
-                      <a:endParaRPr lang="fr-FR" dirty="0"/>
                     </a:p>
                   </a:txBody>
-                  <a:tcPr/>
+                  <a:tcPr>
+                    <a:lnL w="38100" cap="flat" cmpd="sng" algn="ctr">
+                      <a:solidFill>
+                        <a:schemeClr val="tx1"/>
+                      </a:solidFill>
+                      <a:prstDash val="solid"/>
+                      <a:round/>
+                      <a:headEnd type="none" w="med" len="med"/>
+                      <a:tailEnd type="none" w="med" len="med"/>
+                    </a:lnL>
+                    <a:lnR w="38100" cap="flat" cmpd="sng" algn="ctr">
+                      <a:solidFill>
+                        <a:schemeClr val="tx1"/>
+                      </a:solidFill>
+                      <a:prstDash val="solid"/>
+                      <a:round/>
+                      <a:headEnd type="none" w="med" len="med"/>
+                      <a:tailEnd type="none" w="med" len="med"/>
+                    </a:lnR>
+                    <a:lnT w="38100" cap="flat" cmpd="sng" algn="ctr">
+                      <a:solidFill>
+                        <a:schemeClr val="tx1"/>
+                      </a:solidFill>
+                      <a:prstDash val="solid"/>
+                      <a:round/>
+                      <a:headEnd type="none" w="med" len="med"/>
+                      <a:tailEnd type="none" w="med" len="med"/>
+                    </a:lnT>
+                    <a:lnB w="38100" cap="flat" cmpd="sng" algn="ctr">
+                      <a:solidFill>
+                        <a:schemeClr val="tx1"/>
+                      </a:solidFill>
+                      <a:prstDash val="solid"/>
+                      <a:round/>
+                      <a:headEnd type="none" w="med" len="med"/>
+                      <a:tailEnd type="none" w="med" len="med"/>
+                    </a:lnB>
+                    <a:solidFill>
+                      <a:srgbClr val="B53817"/>
+                    </a:solidFill>
+                  </a:tcPr>
                 </a:tc>
                 <a:tc rowSpan="2">
                   <a:txBody>
@@ -9494,7 +10039,7 @@
                     <a:lstStyle/>
                     <a:p>
                       <a:r>
-                        <a:rPr lang="fr-FR" sz="1800" kern="1200" dirty="0">
+                        <a:rPr lang="fr-FR" sz="2000" kern="1200" dirty="0">
                           <a:solidFill>
                             <a:schemeClr val="dk1"/>
                           </a:solidFill>
@@ -9505,7 +10050,7 @@
                     </a:p>
                     <a:p>
                       <a:r>
-                        <a:rPr lang="fr-FR" sz="1800" kern="1200" dirty="0">
+                        <a:rPr lang="fr-FR" sz="2000" kern="1200" dirty="0">
                           <a:solidFill>
                             <a:schemeClr val="dk1"/>
                           </a:solidFill>
@@ -9516,7 +10061,7 @@
                     </a:p>
                     <a:p>
                       <a:r>
-                        <a:rPr lang="fr-FR" sz="1800" kern="1200" dirty="0">
+                        <a:rPr lang="fr-FR" sz="2000" kern="1200" dirty="0">
                           <a:solidFill>
                             <a:schemeClr val="dk1"/>
                           </a:solidFill>
@@ -9527,7 +10072,7 @@
                     </a:p>
                     <a:p>
                       <a:r>
-                        <a:rPr lang="fr-FR" sz="1800" kern="1200" dirty="0">
+                        <a:rPr lang="fr-FR" sz="2000" kern="1200" dirty="0">
                           <a:solidFill>
                             <a:schemeClr val="dk1"/>
                           </a:solidFill>
@@ -9538,7 +10083,7 @@
                     </a:p>
                     <a:p>
                       <a:r>
-                        <a:rPr lang="fr-FR" sz="1800" kern="1200" dirty="0">
+                        <a:rPr lang="fr-FR" sz="2000" kern="1200" dirty="0">
                           <a:solidFill>
                             <a:schemeClr val="dk1"/>
                           </a:solidFill>
@@ -9549,7 +10094,7 @@
                     </a:p>
                     <a:p>
                       <a:r>
-                        <a:rPr lang="fr-FR" sz="1800" kern="1200" dirty="0">
+                        <a:rPr lang="fr-FR" sz="2000" kern="1200" dirty="0">
                           <a:solidFill>
                             <a:schemeClr val="dk1"/>
                           </a:solidFill>
@@ -9560,7 +10105,7 @@
                     </a:p>
                     <a:p>
                       <a:r>
-                        <a:rPr lang="fr-FR" sz="1800" kern="1200" dirty="0">
+                        <a:rPr lang="fr-FR" sz="2000" kern="1200" dirty="0">
                           <a:solidFill>
                             <a:schemeClr val="dk1"/>
                           </a:solidFill>
@@ -9569,18 +10114,58 @@
                         <a:t>Malgré un bon contrôle des coûts, la vision du budget pour la totalité du projet est difficile</a:t>
                       </a:r>
                       <a:r>
-                        <a:rPr lang="fr-FR" sz="1800" dirty="0">
+                        <a:rPr lang="fr-FR" sz="2000" dirty="0">
                           <a:effectLst/>
                         </a:rPr>
                         <a:t> </a:t>
                       </a:r>
-                      <a:endParaRPr lang="fr-FR" sz="1800" dirty="0"/>
-                    </a:p>
-                    <a:p>
-                      <a:endParaRPr lang="fr-FR" dirty="0"/>
+                      <a:endParaRPr lang="fr-FR" sz="2000" dirty="0"/>
+                    </a:p>
+                    <a:p>
+                      <a:endParaRPr lang="fr-FR" sz="2000" dirty="0"/>
                     </a:p>
                   </a:txBody>
-                  <a:tcPr/>
+                  <a:tcPr>
+                    <a:lnL w="38100" cap="flat" cmpd="sng" algn="ctr">
+                      <a:solidFill>
+                        <a:schemeClr val="tx1"/>
+                      </a:solidFill>
+                      <a:prstDash val="solid"/>
+                      <a:round/>
+                      <a:headEnd type="none" w="med" len="med"/>
+                      <a:tailEnd type="none" w="med" len="med"/>
+                    </a:lnL>
+                    <a:lnR w="38100" cap="flat" cmpd="sng" algn="ctr">
+                      <a:solidFill>
+                        <a:schemeClr val="tx1"/>
+                      </a:solidFill>
+                      <a:prstDash val="solid"/>
+                      <a:round/>
+                      <a:headEnd type="none" w="med" len="med"/>
+                      <a:tailEnd type="none" w="med" len="med"/>
+                    </a:lnR>
+                    <a:lnT w="38100" cap="flat" cmpd="sng" algn="ctr">
+                      <a:solidFill>
+                        <a:schemeClr val="tx1"/>
+                      </a:solidFill>
+                      <a:prstDash val="solid"/>
+                      <a:round/>
+                      <a:headEnd type="none" w="med" len="med"/>
+                      <a:tailEnd type="none" w="med" len="med"/>
+                    </a:lnT>
+                    <a:lnB w="38100" cap="flat" cmpd="sng" algn="ctr">
+                      <a:solidFill>
+                        <a:schemeClr val="tx1"/>
+                      </a:solidFill>
+                      <a:prstDash val="solid"/>
+                      <a:round/>
+                      <a:headEnd type="none" w="med" len="med"/>
+                      <a:tailEnd type="none" w="med" len="med"/>
+                    </a:lnB>
+                    <a:solidFill>
+                      <a:srgbClr val="F9DCCC"/>
+                    </a:solidFill>
+                  </a:tcPr>
                 </a:tc>
                 <a:tc gridSpan="2">
                   <a:txBody>
@@ -9605,77 +10190,21 @@
                         <a:defRPr/>
                       </a:pPr>
                       <a:r>
-                        <a:rPr lang="fr-FR" dirty="0"/>
+                        <a:rPr lang="fr-FR" sz="2000" dirty="0"/>
                         <a:t>Une bonne documentation peut également être lourd et fastidieux</a:t>
                       </a:r>
                     </a:p>
                     <a:p>
-                      <a:endParaRPr lang="fr-FR" dirty="0"/>
+                      <a:endParaRPr lang="fr-FR" sz="2000" dirty="0"/>
                     </a:p>
                     <a:p>
                       <a:r>
-                        <a:rPr lang="fr-FR" dirty="0"/>
+                        <a:rPr lang="fr-FR" sz="2000" dirty="0"/>
                         <a:t>Si une des phases prend du retard, les prochaines aussi</a:t>
                       </a:r>
                     </a:p>
                     <a:p>
-                      <a:endParaRPr lang="fr-FR" dirty="0"/>
-                    </a:p>
-                    <a:p>
-                      <a:endParaRPr lang="fr-FR" dirty="0"/>
-                    </a:p>
-                  </a:txBody>
-                  <a:tcPr/>
-                </a:tc>
-                <a:tc hMerge="1">
-                  <a:txBody>
-                    <a:bodyPr/>
-                    <a:lstStyle/>
-                    <a:p>
-                      <a:endParaRPr lang="fr-FR" dirty="0"/>
-                    </a:p>
-                  </a:txBody>
-                  <a:tcPr/>
-                </a:tc>
-                <a:extLst>
-                  <a:ext uri="{0D108BD9-81ED-4DB2-BD59-A6C34878D82A}">
-                    <a16:rowId xmlns:a16="http://schemas.microsoft.com/office/drawing/2014/main" val="1148180548"/>
-                  </a:ext>
-                </a:extLst>
-              </a:tr>
-              <a:tr h="1895707">
-                <a:tc vMerge="1">
-                  <a:txBody>
-                    <a:bodyPr/>
-                    <a:lstStyle/>
-                    <a:p>
-                      <a:endParaRPr lang="fr-FR" dirty="0"/>
-                    </a:p>
-                  </a:txBody>
-                  <a:tcPr/>
-                </a:tc>
-                <a:tc vMerge="1">
-                  <a:txBody>
-                    <a:bodyPr/>
-                    <a:lstStyle/>
-                    <a:p>
-                      <a:endParaRPr lang="fr-FR" dirty="0"/>
-                    </a:p>
-                  </a:txBody>
-                  <a:tcPr/>
-                </a:tc>
-                <a:tc>
-                  <a:txBody>
-                    <a:bodyPr/>
-                    <a:lstStyle/>
-                    <a:p>
-                      <a:r>
-                        <a:rPr lang="fr-FR" dirty="0"/>
-                        <a:t>Les tests arrivent tardivement</a:t>
-                      </a:r>
-                    </a:p>
-                    <a:p>
-                      <a:endParaRPr lang="fr-FR" dirty="0"/>
+                      <a:endParaRPr lang="fr-FR" sz="2000" dirty="0"/>
                     </a:p>
                     <a:p>
                       <a:pPr marL="0" marR="0" lvl="0" indent="0" algn="l" defTabSz="914400" rtl="0" eaLnBrk="1" fontAlgn="auto" latinLnBrk="0" hangingPunct="1">
@@ -9696,19 +10225,90 @@
                         <a:defRPr/>
                       </a:pPr>
                       <a:r>
-                        <a:rPr lang="fr-FR" sz="1800" b="0" i="0" kern="1200" dirty="0">
+                        <a:rPr lang="fr-FR" sz="2000" b="0" kern="1200" dirty="0">
                           <a:solidFill>
                             <a:schemeClr val="dk1"/>
                           </a:solidFill>
                           <a:effectLst/>
-                          <a:latin typeface="+mn-lt"/>
-                          <a:ea typeface="+mn-ea"/>
-                          <a:cs typeface="+mn-cs"/>
                         </a:rPr>
-                        <a:t>De par sa construction séquentielle et linéaire, le retour en arrière est impossible.</a:t>
+                        <a:t>De par sa construction séquentielle et linéaire, le retour en arrière est difficile.</a:t>
                       </a:r>
+                      <a:endParaRPr lang="fr-FR" sz="2000" dirty="0"/>
+                    </a:p>
+                    <a:p>
+                      <a:endParaRPr lang="fr-FR" sz="2000" dirty="0"/>
+                    </a:p>
+                  </a:txBody>
+                  <a:tcPr>
+                    <a:lnL w="38100" cap="flat" cmpd="sng" algn="ctr">
+                      <a:solidFill>
+                        <a:schemeClr val="tx1"/>
+                      </a:solidFill>
+                      <a:prstDash val="solid"/>
+                      <a:round/>
+                      <a:headEnd type="none" w="med" len="med"/>
+                      <a:tailEnd type="none" w="med" len="med"/>
+                    </a:lnL>
+                    <a:lnR w="38100" cap="flat" cmpd="sng" algn="ctr">
+                      <a:solidFill>
+                        <a:schemeClr val="tx1"/>
+                      </a:solidFill>
+                      <a:prstDash val="solid"/>
+                      <a:round/>
+                      <a:headEnd type="none" w="med" len="med"/>
+                      <a:tailEnd type="none" w="med" len="med"/>
+                    </a:lnR>
+                    <a:lnT w="38100" cap="flat" cmpd="sng" algn="ctr">
+                      <a:solidFill>
+                        <a:schemeClr val="tx1"/>
+                      </a:solidFill>
+                      <a:prstDash val="solid"/>
+                      <a:round/>
+                      <a:headEnd type="none" w="med" len="med"/>
+                      <a:tailEnd type="none" w="med" len="med"/>
+                    </a:lnT>
+                    <a:lnB w="38100" cap="flat" cmpd="sng" algn="ctr">
+                      <a:solidFill>
+                        <a:schemeClr val="tx1"/>
+                      </a:solidFill>
+                      <a:prstDash val="solid"/>
+                      <a:round/>
+                      <a:headEnd type="none" w="med" len="med"/>
+                      <a:tailEnd type="none" w="med" len="med"/>
+                    </a:lnB>
+                  </a:tcPr>
+                </a:tc>
+                <a:tc hMerge="1">
+                  <a:txBody>
+                    <a:bodyPr/>
+                    <a:lstStyle/>
+                    <a:p>
                       <a:endParaRPr lang="fr-FR" dirty="0"/>
                     </a:p>
+                  </a:txBody>
+                  <a:tcPr/>
+                </a:tc>
+                <a:extLst>
+                  <a:ext uri="{0D108BD9-81ED-4DB2-BD59-A6C34878D82A}">
+                    <a16:rowId xmlns:a16="http://schemas.microsoft.com/office/drawing/2014/main" val="1148180548"/>
+                  </a:ext>
+                </a:extLst>
+              </a:tr>
+              <a:tr h="783121">
+                <a:tc vMerge="1">
+                  <a:txBody>
+                    <a:bodyPr/>
+                    <a:lstStyle/>
+                    <a:p>
+                      <a:endParaRPr lang="fr-FR" dirty="0"/>
+                    </a:p>
+                  </a:txBody>
+                  <a:tcPr/>
+                </a:tc>
+                <a:tc vMerge="1">
+                  <a:txBody>
+                    <a:bodyPr/>
+                    <a:lstStyle/>
                     <a:p>
                       <a:endParaRPr lang="fr-FR" dirty="0"/>
                     </a:p>
@@ -9721,12 +10321,99 @@
                     <a:lstStyle/>
                     <a:p>
                       <a:r>
-                        <a:rPr lang="fr-FR" dirty="0"/>
+                        <a:rPr lang="fr-FR" sz="2000" dirty="0"/>
+                        <a:t>Les tests arrivent tardivement</a:t>
+                      </a:r>
+                    </a:p>
+                  </a:txBody>
+                  <a:tcPr>
+                    <a:lnL w="38100" cap="flat" cmpd="sng" algn="ctr">
+                      <a:solidFill>
+                        <a:schemeClr val="tx1"/>
+                      </a:solidFill>
+                      <a:prstDash val="solid"/>
+                      <a:round/>
+                      <a:headEnd type="none" w="med" len="med"/>
+                      <a:tailEnd type="none" w="med" len="med"/>
+                    </a:lnL>
+                    <a:lnR w="38100" cap="flat" cmpd="sng" algn="ctr">
+                      <a:solidFill>
+                        <a:schemeClr val="tx1"/>
+                      </a:solidFill>
+                      <a:prstDash val="solid"/>
+                      <a:round/>
+                      <a:headEnd type="none" w="med" len="med"/>
+                      <a:tailEnd type="none" w="med" len="med"/>
+                    </a:lnR>
+                    <a:lnT w="38100" cap="flat" cmpd="sng" algn="ctr">
+                      <a:solidFill>
+                        <a:schemeClr val="tx1"/>
+                      </a:solidFill>
+                      <a:prstDash val="solid"/>
+                      <a:round/>
+                      <a:headEnd type="none" w="med" len="med"/>
+                      <a:tailEnd type="none" w="med" len="med"/>
+                    </a:lnT>
+                    <a:lnB w="38100" cap="flat" cmpd="sng" algn="ctr">
+                      <a:solidFill>
+                        <a:schemeClr val="tx1"/>
+                      </a:solidFill>
+                      <a:prstDash val="solid"/>
+                      <a:round/>
+                      <a:headEnd type="none" w="med" len="med"/>
+                      <a:tailEnd type="none" w="med" len="med"/>
+                    </a:lnB>
+                  </a:tcPr>
+                </a:tc>
+                <a:tc>
+                  <a:txBody>
+                    <a:bodyPr/>
+                    <a:lstStyle/>
+                    <a:p>
+                      <a:r>
+                        <a:rPr lang="fr-FR" sz="2000" dirty="0"/>
                         <a:t>Le processus étant plus complexe que la méthode en cascade, le cycle en V est plus coûteux</a:t>
                       </a:r>
                     </a:p>
                   </a:txBody>
-                  <a:tcPr/>
+                  <a:tcPr>
+                    <a:lnL w="38100" cap="flat" cmpd="sng" algn="ctr">
+                      <a:solidFill>
+                        <a:schemeClr val="tx1"/>
+                      </a:solidFill>
+                      <a:prstDash val="solid"/>
+                      <a:round/>
+                      <a:headEnd type="none" w="med" len="med"/>
+                      <a:tailEnd type="none" w="med" len="med"/>
+                    </a:lnL>
+                    <a:lnR w="38100" cap="flat" cmpd="sng" algn="ctr">
+                      <a:solidFill>
+                        <a:schemeClr val="tx1"/>
+                      </a:solidFill>
+                      <a:prstDash val="solid"/>
+                      <a:round/>
+                      <a:headEnd type="none" w="med" len="med"/>
+                      <a:tailEnd type="none" w="med" len="med"/>
+                    </a:lnR>
+                    <a:lnT w="38100" cap="flat" cmpd="sng" algn="ctr">
+                      <a:solidFill>
+                        <a:schemeClr val="tx1"/>
+                      </a:solidFill>
+                      <a:prstDash val="solid"/>
+                      <a:round/>
+                      <a:headEnd type="none" w="med" len="med"/>
+                      <a:tailEnd type="none" w="med" len="med"/>
+                    </a:lnT>
+                    <a:lnB w="38100" cap="flat" cmpd="sng" algn="ctr">
+                      <a:solidFill>
+                        <a:schemeClr val="tx1"/>
+                      </a:solidFill>
+                      <a:prstDash val="solid"/>
+                      <a:round/>
+                      <a:headEnd type="none" w="med" len="med"/>
+                      <a:tailEnd type="none" w="med" len="med"/>
+                    </a:lnB>
+                  </a:tcPr>
                 </a:tc>
                 <a:extLst>
                   <a:ext uri="{0D108BD9-81ED-4DB2-BD59-A6C34878D82A}">
@@ -9734,7 +10421,7 @@
                   </a:ext>
                 </a:extLst>
               </a:tr>
-              <a:tr h="1895707">
+              <a:tr h="1249052">
                 <a:tc>
                   <a:txBody>
                     <a:bodyPr/>
@@ -9758,15 +10445,59 @@
                         <a:defRPr/>
                       </a:pPr>
                       <a:r>
-                        <a:rPr lang="fr-FR" sz="1800" dirty="0"/>
+                        <a:rPr lang="fr-FR" sz="2800" b="1" dirty="0">
+                          <a:solidFill>
+                            <a:schemeClr val="tx1"/>
+                          </a:solidFill>
+                        </a:rPr>
                         <a:t>Projets à proscrire</a:t>
                       </a:r>
                     </a:p>
                     <a:p>
-                      <a:endParaRPr lang="fr-FR" dirty="0"/>
+                      <a:endParaRPr lang="fr-FR" sz="2800" dirty="0"/>
                     </a:p>
                   </a:txBody>
-                  <a:tcPr/>
+                  <a:tcPr>
+                    <a:lnL w="38100" cap="flat" cmpd="sng" algn="ctr">
+                      <a:solidFill>
+                        <a:schemeClr val="tx1"/>
+                      </a:solidFill>
+                      <a:prstDash val="solid"/>
+                      <a:round/>
+                      <a:headEnd type="none" w="med" len="med"/>
+                      <a:tailEnd type="none" w="med" len="med"/>
+                    </a:lnL>
+                    <a:lnR w="38100" cap="flat" cmpd="sng" algn="ctr">
+                      <a:solidFill>
+                        <a:schemeClr val="tx1"/>
+                      </a:solidFill>
+                      <a:prstDash val="solid"/>
+                      <a:round/>
+                      <a:headEnd type="none" w="med" len="med"/>
+                      <a:tailEnd type="none" w="med" len="med"/>
+                    </a:lnR>
+                    <a:lnT w="38100" cap="flat" cmpd="sng" algn="ctr">
+                      <a:solidFill>
+                        <a:schemeClr val="tx1"/>
+                      </a:solidFill>
+                      <a:prstDash val="solid"/>
+                      <a:round/>
+                      <a:headEnd type="none" w="med" len="med"/>
+                      <a:tailEnd type="none" w="med" len="med"/>
+                    </a:lnT>
+                    <a:lnB w="38100" cap="flat" cmpd="sng" algn="ctr">
+                      <a:solidFill>
+                        <a:schemeClr val="tx1"/>
+                      </a:solidFill>
+                      <a:prstDash val="solid"/>
+                      <a:round/>
+                      <a:headEnd type="none" w="med" len="med"/>
+                      <a:tailEnd type="none" w="med" len="med"/>
+                    </a:lnB>
+                    <a:solidFill>
+                      <a:srgbClr val="B53817"/>
+                    </a:solidFill>
+                  </a:tcPr>
                 </a:tc>
                 <a:tc>
                   <a:txBody>
@@ -9791,7 +10522,7 @@
                         <a:defRPr/>
                       </a:pPr>
                       <a:r>
-                        <a:rPr lang="fr-FR" sz="1800" kern="1200" dirty="0">
+                        <a:rPr lang="fr-FR" sz="2000" kern="1200" dirty="0">
                           <a:solidFill>
                             <a:schemeClr val="dk1"/>
                           </a:solidFill>
@@ -9800,18 +10531,58 @@
                         <a:t>Les projets parfaitement bien cadrés dont l’échéance est bien définie, qui ne nécessite pas de personnalisations</a:t>
                       </a:r>
                       <a:r>
-                        <a:rPr lang="fr-FR" dirty="0">
+                        <a:rPr lang="fr-FR" sz="2000" dirty="0">
                           <a:effectLst/>
                         </a:rPr>
                         <a:t> </a:t>
                       </a:r>
-                      <a:endParaRPr lang="fr-FR" dirty="0"/>
-                    </a:p>
-                    <a:p>
-                      <a:endParaRPr lang="fr-FR" dirty="0"/>
+                      <a:endParaRPr lang="fr-FR" sz="2000" dirty="0"/>
+                    </a:p>
+                    <a:p>
+                      <a:endParaRPr lang="fr-FR" sz="2000" dirty="0"/>
                     </a:p>
                   </a:txBody>
-                  <a:tcPr/>
+                  <a:tcPr>
+                    <a:lnL w="38100" cap="flat" cmpd="sng" algn="ctr">
+                      <a:solidFill>
+                        <a:schemeClr val="tx1"/>
+                      </a:solidFill>
+                      <a:prstDash val="solid"/>
+                      <a:round/>
+                      <a:headEnd type="none" w="med" len="med"/>
+                      <a:tailEnd type="none" w="med" len="med"/>
+                    </a:lnL>
+                    <a:lnR w="38100" cap="flat" cmpd="sng" algn="ctr">
+                      <a:solidFill>
+                        <a:schemeClr val="tx1"/>
+                      </a:solidFill>
+                      <a:prstDash val="solid"/>
+                      <a:round/>
+                      <a:headEnd type="none" w="med" len="med"/>
+                      <a:tailEnd type="none" w="med" len="med"/>
+                    </a:lnR>
+                    <a:lnT w="38100" cap="flat" cmpd="sng" algn="ctr">
+                      <a:solidFill>
+                        <a:schemeClr val="tx1"/>
+                      </a:solidFill>
+                      <a:prstDash val="solid"/>
+                      <a:round/>
+                      <a:headEnd type="none" w="med" len="med"/>
+                      <a:tailEnd type="none" w="med" len="med"/>
+                    </a:lnT>
+                    <a:lnB w="38100" cap="flat" cmpd="sng" algn="ctr">
+                      <a:solidFill>
+                        <a:schemeClr val="tx1"/>
+                      </a:solidFill>
+                      <a:prstDash val="solid"/>
+                      <a:round/>
+                      <a:headEnd type="none" w="med" len="med"/>
+                      <a:tailEnd type="none" w="med" len="med"/>
+                    </a:lnB>
+                    <a:solidFill>
+                      <a:srgbClr val="F9DCCC"/>
+                    </a:solidFill>
+                  </a:tcPr>
                 </a:tc>
                 <a:tc gridSpan="2">
                   <a:txBody>
@@ -9819,12 +10590,49 @@
                     <a:lstStyle/>
                     <a:p>
                       <a:r>
-                        <a:rPr lang="fr-FR" dirty="0"/>
+                        <a:rPr lang="fr-FR" sz="2000" dirty="0"/>
                         <a:t>Ne pas appliquer la méthode en cascade ou le cycle en V dans le cas des projets ou le client fait des changements réguliers</a:t>
                       </a:r>
                     </a:p>
                   </a:txBody>
-                  <a:tcPr/>
+                  <a:tcPr>
+                    <a:lnL w="38100" cap="flat" cmpd="sng" algn="ctr">
+                      <a:solidFill>
+                        <a:schemeClr val="tx1"/>
+                      </a:solidFill>
+                      <a:prstDash val="solid"/>
+                      <a:round/>
+                      <a:headEnd type="none" w="med" len="med"/>
+                      <a:tailEnd type="none" w="med" len="med"/>
+                    </a:lnL>
+                    <a:lnR w="38100" cap="flat" cmpd="sng" algn="ctr">
+                      <a:solidFill>
+                        <a:schemeClr val="tx1"/>
+                      </a:solidFill>
+                      <a:prstDash val="solid"/>
+                      <a:round/>
+                      <a:headEnd type="none" w="med" len="med"/>
+                      <a:tailEnd type="none" w="med" len="med"/>
+                    </a:lnR>
+                    <a:lnT w="38100" cap="flat" cmpd="sng" algn="ctr">
+                      <a:solidFill>
+                        <a:schemeClr val="tx1"/>
+                      </a:solidFill>
+                      <a:prstDash val="solid"/>
+                      <a:round/>
+                      <a:headEnd type="none" w="med" len="med"/>
+                      <a:tailEnd type="none" w="med" len="med"/>
+                    </a:lnT>
+                    <a:lnB w="38100" cap="flat" cmpd="sng" algn="ctr">
+                      <a:solidFill>
+                        <a:schemeClr val="tx1"/>
+                      </a:solidFill>
+                      <a:prstDash val="solid"/>
+                      <a:round/>
+                      <a:headEnd type="none" w="med" len="med"/>
+                      <a:tailEnd type="none" w="med" len="med"/>
+                    </a:lnB>
+                  </a:tcPr>
                 </a:tc>
                 <a:tc hMerge="1">
                   <a:txBody>
@@ -9850,6 +10658,389 @@
     <p:extLst>
       <p:ext uri="{BB962C8B-B14F-4D97-AF65-F5344CB8AC3E}">
         <p14:creationId xmlns:p14="http://schemas.microsoft.com/office/powerpoint/2010/main" val="1486274912"/>
+      </p:ext>
+    </p:extLst>
+  </p:cSld>
+  <p:clrMapOvr>
+    <a:masterClrMapping/>
+  </p:clrMapOvr>
+</p:sld>
+</file>
+
+<file path=ppt/slides/slide3.xml><?xml version="1.0" encoding="utf-8"?>
+<p:sld xmlns:a="http://schemas.openxmlformats.org/drawingml/2006/main" xmlns:r="http://schemas.openxmlformats.org/officeDocument/2006/relationships" xmlns:p="http://schemas.openxmlformats.org/presentationml/2006/main">
+  <p:cSld>
+    <p:spTree>
+      <p:nvGrpSpPr>
+        <p:cNvPr id="1" name=""/>
+        <p:cNvGrpSpPr/>
+        <p:nvPr/>
+      </p:nvGrpSpPr>
+      <p:grpSpPr>
+        <a:xfrm>
+          <a:off x="0" y="0"/>
+          <a:ext cx="0" cy="0"/>
+          <a:chOff x="0" y="0"/>
+          <a:chExt cx="0" cy="0"/>
+        </a:xfrm>
+      </p:grpSpPr>
+      <p:sp>
+        <p:nvSpPr>
+          <p:cNvPr id="2" name="Titre 1">
+            <a:extLst>
+              <a:ext uri="{FF2B5EF4-FFF2-40B4-BE49-F238E27FC236}">
+                <a16:creationId xmlns:a16="http://schemas.microsoft.com/office/drawing/2014/main" id="{827D20AF-22F7-2197-76F9-5BBB0D9AE4B2}"/>
+              </a:ext>
+            </a:extLst>
+          </p:cNvPr>
+          <p:cNvSpPr>
+            <a:spLocks noGrp="1"/>
+          </p:cNvSpPr>
+          <p:nvPr>
+            <p:ph type="title"/>
+          </p:nvPr>
+        </p:nvSpPr>
+        <p:spPr/>
+        <p:txBody>
+          <a:bodyPr/>
+          <a:lstStyle/>
+          <a:p>
+            <a:endParaRPr lang="fr-FR"/>
+          </a:p>
+        </p:txBody>
+      </p:sp>
+      <p:graphicFrame>
+        <p:nvGraphicFramePr>
+          <p:cNvPr id="4" name="Tableau 4">
+            <a:extLst>
+              <a:ext uri="{FF2B5EF4-FFF2-40B4-BE49-F238E27FC236}">
+                <a16:creationId xmlns:a16="http://schemas.microsoft.com/office/drawing/2014/main" id="{8A11062E-6AF8-9465-FA69-11AA6C5CBEAE}"/>
+              </a:ext>
+            </a:extLst>
+          </p:cNvPr>
+          <p:cNvGraphicFramePr>
+            <a:graphicFrameLocks noGrp="1"/>
+          </p:cNvGraphicFramePr>
+          <p:nvPr>
+            <p:ph idx="1"/>
+            <p:extLst>
+              <p:ext uri="{D42A27DB-BD31-4B8C-83A1-F6EECF244321}">
+                <p14:modId xmlns:p14="http://schemas.microsoft.com/office/powerpoint/2010/main" val="3462014286"/>
+              </p:ext>
+            </p:extLst>
+          </p:nvPr>
+        </p:nvGraphicFramePr>
+        <p:xfrm>
+          <a:off x="-3359426" y="-1113183"/>
+          <a:ext cx="20335460" cy="9839735"/>
+        </p:xfrm>
+        <a:graphic>
+          <a:graphicData uri="http://schemas.openxmlformats.org/drawingml/2006/table">
+            <a:tbl>
+              <a:tblPr firstRow="1" bandRow="1">
+                <a:tableStyleId>{5C22544A-7EE6-4342-B048-85BDC9FD1C3A}</a:tableStyleId>
+              </a:tblPr>
+              <a:tblGrid>
+                <a:gridCol w="5083865">
+                  <a:extLst>
+                    <a:ext uri="{9D8B030D-6E8A-4147-A177-3AD203B41FA5}">
+                      <a16:colId xmlns:a16="http://schemas.microsoft.com/office/drawing/2014/main" val="286712315"/>
+                    </a:ext>
+                  </a:extLst>
+                </a:gridCol>
+                <a:gridCol w="5083865">
+                  <a:extLst>
+                    <a:ext uri="{9D8B030D-6E8A-4147-A177-3AD203B41FA5}">
+                      <a16:colId xmlns:a16="http://schemas.microsoft.com/office/drawing/2014/main" val="1769871001"/>
+                    </a:ext>
+                  </a:extLst>
+                </a:gridCol>
+                <a:gridCol w="5083865">
+                  <a:extLst>
+                    <a:ext uri="{9D8B030D-6E8A-4147-A177-3AD203B41FA5}">
+                      <a16:colId xmlns:a16="http://schemas.microsoft.com/office/drawing/2014/main" val="2908840516"/>
+                    </a:ext>
+                  </a:extLst>
+                </a:gridCol>
+                <a:gridCol w="5083865">
+                  <a:extLst>
+                    <a:ext uri="{9D8B030D-6E8A-4147-A177-3AD203B41FA5}">
+                      <a16:colId xmlns:a16="http://schemas.microsoft.com/office/drawing/2014/main" val="1948953627"/>
+                    </a:ext>
+                  </a:extLst>
+                </a:gridCol>
+              </a:tblGrid>
+              <a:tr h="1967947">
+                <a:tc>
+                  <a:txBody>
+                    <a:bodyPr/>
+                    <a:lstStyle/>
+                    <a:p>
+                      <a:endParaRPr lang="fr-FR" dirty="0"/>
+                    </a:p>
+                  </a:txBody>
+                  <a:tcPr/>
+                </a:tc>
+                <a:tc>
+                  <a:txBody>
+                    <a:bodyPr/>
+                    <a:lstStyle/>
+                    <a:p>
+                      <a:endParaRPr lang="fr-FR"/>
+                    </a:p>
+                  </a:txBody>
+                  <a:tcPr/>
+                </a:tc>
+                <a:tc>
+                  <a:txBody>
+                    <a:bodyPr/>
+                    <a:lstStyle/>
+                    <a:p>
+                      <a:endParaRPr lang="fr-FR"/>
+                    </a:p>
+                  </a:txBody>
+                  <a:tcPr/>
+                </a:tc>
+                <a:tc>
+                  <a:txBody>
+                    <a:bodyPr/>
+                    <a:lstStyle/>
+                    <a:p>
+                      <a:endParaRPr lang="fr-FR"/>
+                    </a:p>
+                  </a:txBody>
+                  <a:tcPr/>
+                </a:tc>
+                <a:extLst>
+                  <a:ext uri="{0D108BD9-81ED-4DB2-BD59-A6C34878D82A}">
+                    <a16:rowId xmlns:a16="http://schemas.microsoft.com/office/drawing/2014/main" val="170102016"/>
+                  </a:ext>
+                </a:extLst>
+              </a:tr>
+              <a:tr h="1967947">
+                <a:tc>
+                  <a:txBody>
+                    <a:bodyPr/>
+                    <a:lstStyle/>
+                    <a:p>
+                      <a:endParaRPr lang="fr-FR" dirty="0"/>
+                    </a:p>
+                  </a:txBody>
+                  <a:tcPr/>
+                </a:tc>
+                <a:tc>
+                  <a:txBody>
+                    <a:bodyPr/>
+                    <a:lstStyle/>
+                    <a:p>
+                      <a:endParaRPr lang="fr-FR" dirty="0"/>
+                    </a:p>
+                  </a:txBody>
+                  <a:tcPr/>
+                </a:tc>
+                <a:tc>
+                  <a:txBody>
+                    <a:bodyPr/>
+                    <a:lstStyle/>
+                    <a:p>
+                      <a:endParaRPr lang="fr-FR" dirty="0"/>
+                    </a:p>
+                  </a:txBody>
+                  <a:tcPr/>
+                </a:tc>
+                <a:tc>
+                  <a:txBody>
+                    <a:bodyPr/>
+                    <a:lstStyle/>
+                    <a:p>
+                      <a:endParaRPr lang="fr-FR" dirty="0"/>
+                    </a:p>
+                  </a:txBody>
+                  <a:tcPr/>
+                </a:tc>
+                <a:extLst>
+                  <a:ext uri="{0D108BD9-81ED-4DB2-BD59-A6C34878D82A}">
+                    <a16:rowId xmlns:a16="http://schemas.microsoft.com/office/drawing/2014/main" val="3914545513"/>
+                  </a:ext>
+                </a:extLst>
+              </a:tr>
+              <a:tr h="1967947">
+                <a:tc>
+                  <a:txBody>
+                    <a:bodyPr/>
+                    <a:lstStyle/>
+                    <a:p>
+                      <a:endParaRPr lang="fr-FR" dirty="0"/>
+                    </a:p>
+                  </a:txBody>
+                  <a:tcPr>
+                    <a:solidFill>
+                      <a:schemeClr val="bg2">
+                        <a:lumMod val="20000"/>
+                        <a:lumOff val="80000"/>
+                      </a:schemeClr>
+                    </a:solidFill>
+                  </a:tcPr>
+                </a:tc>
+                <a:tc>
+                  <a:txBody>
+                    <a:bodyPr/>
+                    <a:lstStyle/>
+                    <a:p>
+                      <a:endParaRPr lang="fr-FR" dirty="0"/>
+                    </a:p>
+                  </a:txBody>
+                  <a:tcPr>
+                    <a:solidFill>
+                      <a:schemeClr val="bg2">
+                        <a:lumMod val="20000"/>
+                        <a:lumOff val="80000"/>
+                      </a:schemeClr>
+                    </a:solidFill>
+                  </a:tcPr>
+                </a:tc>
+                <a:tc>
+                  <a:txBody>
+                    <a:bodyPr/>
+                    <a:lstStyle/>
+                    <a:p>
+                      <a:endParaRPr lang="fr-FR" dirty="0"/>
+                    </a:p>
+                  </a:txBody>
+                  <a:tcPr>
+                    <a:solidFill>
+                      <a:schemeClr val="bg2">
+                        <a:lumMod val="20000"/>
+                        <a:lumOff val="80000"/>
+                      </a:schemeClr>
+                    </a:solidFill>
+                  </a:tcPr>
+                </a:tc>
+                <a:tc>
+                  <a:txBody>
+                    <a:bodyPr/>
+                    <a:lstStyle/>
+                    <a:p>
+                      <a:endParaRPr lang="fr-FR" dirty="0"/>
+                    </a:p>
+                  </a:txBody>
+                  <a:tcPr>
+                    <a:solidFill>
+                      <a:schemeClr val="bg2">
+                        <a:lumMod val="20000"/>
+                        <a:lumOff val="80000"/>
+                      </a:schemeClr>
+                    </a:solidFill>
+                  </a:tcPr>
+                </a:tc>
+                <a:extLst>
+                  <a:ext uri="{0D108BD9-81ED-4DB2-BD59-A6C34878D82A}">
+                    <a16:rowId xmlns:a16="http://schemas.microsoft.com/office/drawing/2014/main" val="3608658090"/>
+                  </a:ext>
+                </a:extLst>
+              </a:tr>
+              <a:tr h="1967947">
+                <a:tc>
+                  <a:txBody>
+                    <a:bodyPr/>
+                    <a:lstStyle/>
+                    <a:p>
+                      <a:endParaRPr lang="fr-FR" dirty="0"/>
+                    </a:p>
+                  </a:txBody>
+                  <a:tcPr/>
+                </a:tc>
+                <a:tc>
+                  <a:txBody>
+                    <a:bodyPr/>
+                    <a:lstStyle/>
+                    <a:p>
+                      <a:endParaRPr lang="fr-FR"/>
+                    </a:p>
+                  </a:txBody>
+                  <a:tcPr/>
+                </a:tc>
+                <a:tc>
+                  <a:txBody>
+                    <a:bodyPr/>
+                    <a:lstStyle/>
+                    <a:p>
+                      <a:endParaRPr lang="fr-FR"/>
+                    </a:p>
+                  </a:txBody>
+                  <a:tcPr/>
+                </a:tc>
+                <a:tc>
+                  <a:txBody>
+                    <a:bodyPr/>
+                    <a:lstStyle/>
+                    <a:p>
+                      <a:endParaRPr lang="fr-FR" dirty="0"/>
+                    </a:p>
+                  </a:txBody>
+                  <a:tcPr/>
+                </a:tc>
+                <a:extLst>
+                  <a:ext uri="{0D108BD9-81ED-4DB2-BD59-A6C34878D82A}">
+                    <a16:rowId xmlns:a16="http://schemas.microsoft.com/office/drawing/2014/main" val="1437295266"/>
+                  </a:ext>
+                </a:extLst>
+              </a:tr>
+              <a:tr h="1967947">
+                <a:tc>
+                  <a:txBody>
+                    <a:bodyPr/>
+                    <a:lstStyle/>
+                    <a:p>
+                      <a:endParaRPr lang="fr-FR"/>
+                    </a:p>
+                  </a:txBody>
+                  <a:tcPr/>
+                </a:tc>
+                <a:tc>
+                  <a:txBody>
+                    <a:bodyPr/>
+                    <a:lstStyle/>
+                    <a:p>
+                      <a:endParaRPr lang="fr-FR"/>
+                    </a:p>
+                  </a:txBody>
+                  <a:tcPr/>
+                </a:tc>
+                <a:tc>
+                  <a:txBody>
+                    <a:bodyPr/>
+                    <a:lstStyle/>
+                    <a:p>
+                      <a:endParaRPr lang="fr-FR"/>
+                    </a:p>
+                  </a:txBody>
+                  <a:tcPr/>
+                </a:tc>
+                <a:tc>
+                  <a:txBody>
+                    <a:bodyPr/>
+                    <a:lstStyle/>
+                    <a:p>
+                      <a:endParaRPr lang="fr-FR" dirty="0"/>
+                    </a:p>
+                  </a:txBody>
+                  <a:tcPr/>
+                </a:tc>
+                <a:extLst>
+                  <a:ext uri="{0D108BD9-81ED-4DB2-BD59-A6C34878D82A}">
+                    <a16:rowId xmlns:a16="http://schemas.microsoft.com/office/drawing/2014/main" val="1304074092"/>
+                  </a:ext>
+                </a:extLst>
+              </a:tr>
+            </a:tbl>
+          </a:graphicData>
+        </a:graphic>
+      </p:graphicFrame>
+    </p:spTree>
+    <p:extLst>
+      <p:ext uri="{BB962C8B-B14F-4D97-AF65-F5344CB8AC3E}">
+        <p14:creationId xmlns:p14="http://schemas.microsoft.com/office/powerpoint/2010/main" val="2733594422"/>
       </p:ext>
     </p:extLst>
   </p:cSld>
